--- a/Mockup.pptx
+++ b/Mockup.pptx
@@ -5,13 +5,16 @@
     <p:sldMasterId id="2147483648" r:id="rId1"/>
   </p:sldMasterIdLst>
   <p:notesMasterIdLst>
-    <p:notesMasterId r:id="rId6"/>
+    <p:notesMasterId r:id="rId9"/>
   </p:notesMasterIdLst>
   <p:sldIdLst>
     <p:sldId id="257" r:id="rId2"/>
     <p:sldId id="258" r:id="rId3"/>
     <p:sldId id="259" r:id="rId4"/>
     <p:sldId id="260" r:id="rId5"/>
+    <p:sldId id="261" r:id="rId6"/>
+    <p:sldId id="262" r:id="rId7"/>
+    <p:sldId id="263" r:id="rId8"/>
   </p:sldIdLst>
   <p:sldSz cx="9144000" cy="6858000" type="screen4x3"/>
   <p:notesSz cx="6858000" cy="9144000"/>
@@ -195,7 +198,8 @@
           <a:p>
             <a:fld id="{7C5CE265-26D7-4CE0-8234-51A7EAB22493}" type="datetimeFigureOut">
               <a:rPr lang="en-US" smtClean="0"/>
-              <a:t>3/20/2014</a:t>
+              <a:pPr/>
+              <a:t>3/25/2014</a:t>
             </a:fld>
             <a:endParaRPr lang="en-US"/>
           </a:p>
@@ -356,6 +360,7 @@
           <a:p>
             <a:fld id="{C88F1643-9479-4EBF-B0F3-9EA405B2FCF1}" type="slidenum">
               <a:rPr lang="en-US" smtClean="0"/>
+              <a:pPr/>
               <a:t>‹#›</a:t>
             </a:fld>
             <a:endParaRPr lang="en-US"/>
@@ -508,7 +513,15 @@
           <a:p>
             <a:r>
               <a:rPr lang="en-US" dirty="0" smtClean="0"/>
-              <a:t>Driver Main Menu</a:t>
+              <a:t>User Profile menu, Driver?</a:t>
+            </a:r>
+            <a:r>
+              <a:rPr lang="en-US" baseline="0" dirty="0" smtClean="0"/>
+              <a:t> Menu will pop up after profile </a:t>
+            </a:r>
+            <a:r>
+              <a:rPr lang="en-US" baseline="0" dirty="0" err="1" smtClean="0"/>
+              <a:t>choosen</a:t>
             </a:r>
             <a:endParaRPr lang="en-US" dirty="0"/>
           </a:p>
@@ -531,7 +544,8 @@
           <a:p>
             <a:fld id="{C88F1643-9479-4EBF-B0F3-9EA405B2FCF1}" type="slidenum">
               <a:rPr lang="en-US" smtClean="0"/>
-              <a:t>3</a:t>
+              <a:pPr/>
+              <a:t>2</a:t>
             </a:fld>
             <a:endParaRPr lang="en-US"/>
           </a:p>
@@ -593,15 +607,7 @@
           <a:p>
             <a:r>
               <a:rPr lang="en-US" dirty="0" smtClean="0"/>
-              <a:t>Passenger</a:t>
-            </a:r>
-            <a:r>
-              <a:rPr lang="en-US" baseline="0" dirty="0" smtClean="0"/>
-              <a:t> M</a:t>
-            </a:r>
-            <a:r>
-              <a:rPr lang="en-US" dirty="0" smtClean="0"/>
-              <a:t>ain Menu</a:t>
+              <a:t>Driver Main Menu</a:t>
             </a:r>
             <a:endParaRPr lang="en-US" dirty="0"/>
           </a:p>
@@ -624,7 +630,376 @@
           <a:p>
             <a:fld id="{C88F1643-9479-4EBF-B0F3-9EA405B2FCF1}" type="slidenum">
               <a:rPr lang="en-US" smtClean="0"/>
+              <a:pPr/>
+              <a:t>3</a:t>
+            </a:fld>
+            <a:endParaRPr lang="en-US"/>
+          </a:p>
+        </p:txBody>
+      </p:sp>
+    </p:spTree>
+  </p:cSld>
+  <p:clrMapOvr>
+    <a:masterClrMapping/>
+  </p:clrMapOvr>
+</p:notes>
+</file>
+
+<file path=ppt/notesSlides/notesSlide3.xml><?xml version="1.0" encoding="utf-8"?>
+<p:notes xmlns:a="http://schemas.openxmlformats.org/drawingml/2006/main" xmlns:r="http://schemas.openxmlformats.org/officeDocument/2006/relationships" xmlns:p="http://schemas.openxmlformats.org/presentationml/2006/main">
+  <p:cSld>
+    <p:spTree>
+      <p:nvGrpSpPr>
+        <p:cNvPr id="1" name=""/>
+        <p:cNvGrpSpPr/>
+        <p:nvPr/>
+      </p:nvGrpSpPr>
+      <p:grpSpPr>
+        <a:xfrm>
+          <a:off x="0" y="0"/>
+          <a:ext cx="0" cy="0"/>
+          <a:chOff x="0" y="0"/>
+          <a:chExt cx="0" cy="0"/>
+        </a:xfrm>
+      </p:grpSpPr>
+      <p:sp>
+        <p:nvSpPr>
+          <p:cNvPr id="2" name="Slide Image Placeholder 1"/>
+          <p:cNvSpPr>
+            <a:spLocks noGrp="1" noRot="1" noChangeAspect="1"/>
+          </p:cNvSpPr>
+          <p:nvPr>
+            <p:ph type="sldImg"/>
+          </p:nvPr>
+        </p:nvSpPr>
+        <p:spPr/>
+      </p:sp>
+      <p:sp>
+        <p:nvSpPr>
+          <p:cNvPr id="3" name="Notes Placeholder 2"/>
+          <p:cNvSpPr>
+            <a:spLocks noGrp="1"/>
+          </p:cNvSpPr>
+          <p:nvPr>
+            <p:ph type="body" idx="1"/>
+          </p:nvPr>
+        </p:nvSpPr>
+        <p:spPr/>
+        <p:txBody>
+          <a:bodyPr>
+            <a:normAutofit/>
+          </a:bodyPr>
+          <a:lstStyle/>
+          <a:p>
+            <a:r>
+              <a:rPr lang="en-US" dirty="0" smtClean="0"/>
+              <a:t>Passenger</a:t>
+            </a:r>
+            <a:r>
+              <a:rPr lang="en-US" baseline="0" dirty="0" smtClean="0"/>
+              <a:t> M</a:t>
+            </a:r>
+            <a:r>
+              <a:rPr lang="en-US" dirty="0" smtClean="0"/>
+              <a:t>ain Menu</a:t>
+            </a:r>
+            <a:endParaRPr lang="en-US" dirty="0"/>
+          </a:p>
+        </p:txBody>
+      </p:sp>
+      <p:sp>
+        <p:nvSpPr>
+          <p:cNvPr id="4" name="Slide Number Placeholder 3"/>
+          <p:cNvSpPr>
+            <a:spLocks noGrp="1"/>
+          </p:cNvSpPr>
+          <p:nvPr>
+            <p:ph type="sldNum" sz="quarter" idx="10"/>
+          </p:nvPr>
+        </p:nvSpPr>
+        <p:spPr/>
+        <p:txBody>
+          <a:bodyPr/>
+          <a:lstStyle/>
+          <a:p>
+            <a:fld id="{C88F1643-9479-4EBF-B0F3-9EA405B2FCF1}" type="slidenum">
+              <a:rPr lang="en-US" smtClean="0"/>
+              <a:pPr/>
               <a:t>4</a:t>
+            </a:fld>
+            <a:endParaRPr lang="en-US"/>
+          </a:p>
+        </p:txBody>
+      </p:sp>
+    </p:spTree>
+  </p:cSld>
+  <p:clrMapOvr>
+    <a:masterClrMapping/>
+  </p:clrMapOvr>
+</p:notes>
+</file>
+
+<file path=ppt/notesSlides/notesSlide4.xml><?xml version="1.0" encoding="utf-8"?>
+<p:notes xmlns:a="http://schemas.openxmlformats.org/drawingml/2006/main" xmlns:r="http://schemas.openxmlformats.org/officeDocument/2006/relationships" xmlns:p="http://schemas.openxmlformats.org/presentationml/2006/main">
+  <p:cSld>
+    <p:spTree>
+      <p:nvGrpSpPr>
+        <p:cNvPr id="1" name=""/>
+        <p:cNvGrpSpPr/>
+        <p:nvPr/>
+      </p:nvGrpSpPr>
+      <p:grpSpPr>
+        <a:xfrm>
+          <a:off x="0" y="0"/>
+          <a:ext cx="0" cy="0"/>
+          <a:chOff x="0" y="0"/>
+          <a:chExt cx="0" cy="0"/>
+        </a:xfrm>
+      </p:grpSpPr>
+      <p:sp>
+        <p:nvSpPr>
+          <p:cNvPr id="2" name="Slide Image Placeholder 1"/>
+          <p:cNvSpPr>
+            <a:spLocks noGrp="1" noRot="1" noChangeAspect="1"/>
+          </p:cNvSpPr>
+          <p:nvPr>
+            <p:ph type="sldImg"/>
+          </p:nvPr>
+        </p:nvSpPr>
+        <p:spPr/>
+      </p:sp>
+      <p:sp>
+        <p:nvSpPr>
+          <p:cNvPr id="3" name="Notes Placeholder 2"/>
+          <p:cNvSpPr>
+            <a:spLocks noGrp="1"/>
+          </p:cNvSpPr>
+          <p:nvPr>
+            <p:ph type="body" idx="1"/>
+          </p:nvPr>
+        </p:nvSpPr>
+        <p:spPr/>
+        <p:txBody>
+          <a:bodyPr>
+            <a:normAutofit/>
+          </a:bodyPr>
+          <a:lstStyle/>
+          <a:p>
+            <a:r>
+              <a:rPr lang="en-US" dirty="0" smtClean="0"/>
+              <a:t>Navigation Menu,</a:t>
+            </a:r>
+          </a:p>
+          <a:p>
+            <a:endParaRPr lang="en-US" dirty="0" smtClean="0"/>
+          </a:p>
+          <a:p>
+            <a:r>
+              <a:rPr lang="en-US" dirty="0" smtClean="0"/>
+              <a:t>Going</a:t>
+            </a:r>
+            <a:r>
+              <a:rPr lang="en-US" baseline="0" dirty="0" smtClean="0"/>
+              <a:t> to need a keyboard</a:t>
+            </a:r>
+            <a:endParaRPr lang="en-US" dirty="0"/>
+          </a:p>
+        </p:txBody>
+      </p:sp>
+      <p:sp>
+        <p:nvSpPr>
+          <p:cNvPr id="4" name="Slide Number Placeholder 3"/>
+          <p:cNvSpPr>
+            <a:spLocks noGrp="1"/>
+          </p:cNvSpPr>
+          <p:nvPr>
+            <p:ph type="sldNum" sz="quarter" idx="10"/>
+          </p:nvPr>
+        </p:nvSpPr>
+        <p:spPr/>
+        <p:txBody>
+          <a:bodyPr/>
+          <a:lstStyle/>
+          <a:p>
+            <a:fld id="{C88F1643-9479-4EBF-B0F3-9EA405B2FCF1}" type="slidenum">
+              <a:rPr lang="en-US" smtClean="0"/>
+              <a:pPr/>
+              <a:t>5</a:t>
+            </a:fld>
+            <a:endParaRPr lang="en-US"/>
+          </a:p>
+        </p:txBody>
+      </p:sp>
+    </p:spTree>
+  </p:cSld>
+  <p:clrMapOvr>
+    <a:masterClrMapping/>
+  </p:clrMapOvr>
+</p:notes>
+</file>
+
+<file path=ppt/notesSlides/notesSlide5.xml><?xml version="1.0" encoding="utf-8"?>
+<p:notes xmlns:a="http://schemas.openxmlformats.org/drawingml/2006/main" xmlns:r="http://schemas.openxmlformats.org/officeDocument/2006/relationships" xmlns:p="http://schemas.openxmlformats.org/presentationml/2006/main">
+  <p:cSld>
+    <p:spTree>
+      <p:nvGrpSpPr>
+        <p:cNvPr id="1" name=""/>
+        <p:cNvGrpSpPr/>
+        <p:nvPr/>
+      </p:nvGrpSpPr>
+      <p:grpSpPr>
+        <a:xfrm>
+          <a:off x="0" y="0"/>
+          <a:ext cx="0" cy="0"/>
+          <a:chOff x="0" y="0"/>
+          <a:chExt cx="0" cy="0"/>
+        </a:xfrm>
+      </p:grpSpPr>
+      <p:sp>
+        <p:nvSpPr>
+          <p:cNvPr id="2" name="Slide Image Placeholder 1"/>
+          <p:cNvSpPr>
+            <a:spLocks noGrp="1" noRot="1" noChangeAspect="1"/>
+          </p:cNvSpPr>
+          <p:nvPr>
+            <p:ph type="sldImg"/>
+          </p:nvPr>
+        </p:nvSpPr>
+        <p:spPr/>
+      </p:sp>
+      <p:sp>
+        <p:nvSpPr>
+          <p:cNvPr id="3" name="Notes Placeholder 2"/>
+          <p:cNvSpPr>
+            <a:spLocks noGrp="1"/>
+          </p:cNvSpPr>
+          <p:nvPr>
+            <p:ph type="body" idx="1"/>
+          </p:nvPr>
+        </p:nvSpPr>
+        <p:spPr/>
+        <p:txBody>
+          <a:bodyPr>
+            <a:normAutofit/>
+          </a:bodyPr>
+          <a:lstStyle/>
+          <a:p>
+            <a:r>
+              <a:rPr lang="en-US" dirty="0" smtClean="0"/>
+              <a:t>Doors and Windows</a:t>
+            </a:r>
+          </a:p>
+        </p:txBody>
+      </p:sp>
+      <p:sp>
+        <p:nvSpPr>
+          <p:cNvPr id="4" name="Slide Number Placeholder 3"/>
+          <p:cNvSpPr>
+            <a:spLocks noGrp="1"/>
+          </p:cNvSpPr>
+          <p:nvPr>
+            <p:ph type="sldNum" sz="quarter" idx="10"/>
+          </p:nvPr>
+        </p:nvSpPr>
+        <p:spPr/>
+        <p:txBody>
+          <a:bodyPr/>
+          <a:lstStyle/>
+          <a:p>
+            <a:fld id="{C88F1643-9479-4EBF-B0F3-9EA405B2FCF1}" type="slidenum">
+              <a:rPr lang="en-US" smtClean="0"/>
+              <a:pPr/>
+              <a:t>6</a:t>
+            </a:fld>
+            <a:endParaRPr lang="en-US"/>
+          </a:p>
+        </p:txBody>
+      </p:sp>
+    </p:spTree>
+  </p:cSld>
+  <p:clrMapOvr>
+    <a:masterClrMapping/>
+  </p:clrMapOvr>
+</p:notes>
+</file>
+
+<file path=ppt/notesSlides/notesSlide6.xml><?xml version="1.0" encoding="utf-8"?>
+<p:notes xmlns:a="http://schemas.openxmlformats.org/drawingml/2006/main" xmlns:r="http://schemas.openxmlformats.org/officeDocument/2006/relationships" xmlns:p="http://schemas.openxmlformats.org/presentationml/2006/main">
+  <p:cSld>
+    <p:spTree>
+      <p:nvGrpSpPr>
+        <p:cNvPr id="1" name=""/>
+        <p:cNvGrpSpPr/>
+        <p:nvPr/>
+      </p:nvGrpSpPr>
+      <p:grpSpPr>
+        <a:xfrm>
+          <a:off x="0" y="0"/>
+          <a:ext cx="0" cy="0"/>
+          <a:chOff x="0" y="0"/>
+          <a:chExt cx="0" cy="0"/>
+        </a:xfrm>
+      </p:grpSpPr>
+      <p:sp>
+        <p:nvSpPr>
+          <p:cNvPr id="2" name="Slide Image Placeholder 1"/>
+          <p:cNvSpPr>
+            <a:spLocks noGrp="1" noRot="1" noChangeAspect="1"/>
+          </p:cNvSpPr>
+          <p:nvPr>
+            <p:ph type="sldImg"/>
+          </p:nvPr>
+        </p:nvSpPr>
+        <p:spPr/>
+      </p:sp>
+      <p:sp>
+        <p:nvSpPr>
+          <p:cNvPr id="3" name="Notes Placeholder 2"/>
+          <p:cNvSpPr>
+            <a:spLocks noGrp="1"/>
+          </p:cNvSpPr>
+          <p:nvPr>
+            <p:ph type="body" idx="1"/>
+          </p:nvPr>
+        </p:nvSpPr>
+        <p:spPr/>
+        <p:txBody>
+          <a:bodyPr>
+            <a:normAutofit/>
+          </a:bodyPr>
+          <a:lstStyle/>
+          <a:p>
+            <a:r>
+              <a:rPr lang="en-US" dirty="0" smtClean="0"/>
+              <a:t>Doors </a:t>
+            </a:r>
+            <a:r>
+              <a:rPr lang="en-US" smtClean="0"/>
+              <a:t>and Windows</a:t>
+            </a:r>
+            <a:endParaRPr lang="en-US" dirty="0" smtClean="0"/>
+          </a:p>
+        </p:txBody>
+      </p:sp>
+      <p:sp>
+        <p:nvSpPr>
+          <p:cNvPr id="4" name="Slide Number Placeholder 3"/>
+          <p:cNvSpPr>
+            <a:spLocks noGrp="1"/>
+          </p:cNvSpPr>
+          <p:nvPr>
+            <p:ph type="sldNum" sz="quarter" idx="10"/>
+          </p:nvPr>
+        </p:nvSpPr>
+        <p:spPr/>
+        <p:txBody>
+          <a:bodyPr/>
+          <a:lstStyle/>
+          <a:p>
+            <a:fld id="{C88F1643-9479-4EBF-B0F3-9EA405B2FCF1}" type="slidenum">
+              <a:rPr lang="en-US" smtClean="0"/>
+              <a:pPr/>
+              <a:t>7</a:t>
             </a:fld>
             <a:endParaRPr lang="en-US"/>
           </a:p>
@@ -819,7 +1194,8 @@
           <a:p>
             <a:fld id="{159A8543-BA08-49AA-B276-8F78B8BFEED8}" type="datetimeFigureOut">
               <a:rPr lang="en-US" smtClean="0"/>
-              <a:t>3/20/2014</a:t>
+              <a:pPr/>
+              <a:t>3/25/2014</a:t>
             </a:fld>
             <a:endParaRPr lang="en-US"/>
           </a:p>
@@ -861,6 +1237,7 @@
           <a:p>
             <a:fld id="{6671CEBE-EFEF-4CBE-82EA-C3B51BED451D}" type="slidenum">
               <a:rPr lang="en-US" smtClean="0"/>
+              <a:pPr/>
               <a:t>‹#›</a:t>
             </a:fld>
             <a:endParaRPr lang="en-US"/>
@@ -984,7 +1361,8 @@
           <a:p>
             <a:fld id="{159A8543-BA08-49AA-B276-8F78B8BFEED8}" type="datetimeFigureOut">
               <a:rPr lang="en-US" smtClean="0"/>
-              <a:t>3/20/2014</a:t>
+              <a:pPr/>
+              <a:t>3/25/2014</a:t>
             </a:fld>
             <a:endParaRPr lang="en-US"/>
           </a:p>
@@ -1026,6 +1404,7 @@
           <a:p>
             <a:fld id="{6671CEBE-EFEF-4CBE-82EA-C3B51BED451D}" type="slidenum">
               <a:rPr lang="en-US" smtClean="0"/>
+              <a:pPr/>
               <a:t>‹#›</a:t>
             </a:fld>
             <a:endParaRPr lang="en-US"/>
@@ -1159,7 +1538,8 @@
           <a:p>
             <a:fld id="{159A8543-BA08-49AA-B276-8F78B8BFEED8}" type="datetimeFigureOut">
               <a:rPr lang="en-US" smtClean="0"/>
-              <a:t>3/20/2014</a:t>
+              <a:pPr/>
+              <a:t>3/25/2014</a:t>
             </a:fld>
             <a:endParaRPr lang="en-US"/>
           </a:p>
@@ -1201,6 +1581,7 @@
           <a:p>
             <a:fld id="{6671CEBE-EFEF-4CBE-82EA-C3B51BED451D}" type="slidenum">
               <a:rPr lang="en-US" smtClean="0"/>
+              <a:pPr/>
               <a:t>‹#›</a:t>
             </a:fld>
             <a:endParaRPr lang="en-US"/>
@@ -1324,7 +1705,8 @@
           <a:p>
             <a:fld id="{159A8543-BA08-49AA-B276-8F78B8BFEED8}" type="datetimeFigureOut">
               <a:rPr lang="en-US" smtClean="0"/>
-              <a:t>3/20/2014</a:t>
+              <a:pPr/>
+              <a:t>3/25/2014</a:t>
             </a:fld>
             <a:endParaRPr lang="en-US"/>
           </a:p>
@@ -1366,6 +1748,7 @@
           <a:p>
             <a:fld id="{6671CEBE-EFEF-4CBE-82EA-C3B51BED451D}" type="slidenum">
               <a:rPr lang="en-US" smtClean="0"/>
+              <a:pPr/>
               <a:t>‹#›</a:t>
             </a:fld>
             <a:endParaRPr lang="en-US"/>
@@ -1565,7 +1948,8 @@
           <a:p>
             <a:fld id="{159A8543-BA08-49AA-B276-8F78B8BFEED8}" type="datetimeFigureOut">
               <a:rPr lang="en-US" smtClean="0"/>
-              <a:t>3/20/2014</a:t>
+              <a:pPr/>
+              <a:t>3/25/2014</a:t>
             </a:fld>
             <a:endParaRPr lang="en-US"/>
           </a:p>
@@ -1607,6 +1991,7 @@
           <a:p>
             <a:fld id="{6671CEBE-EFEF-4CBE-82EA-C3B51BED451D}" type="slidenum">
               <a:rPr lang="en-US" smtClean="0"/>
+              <a:pPr/>
               <a:t>‹#›</a:t>
             </a:fld>
             <a:endParaRPr lang="en-US"/>
@@ -1848,7 +2233,8 @@
           <a:p>
             <a:fld id="{159A8543-BA08-49AA-B276-8F78B8BFEED8}" type="datetimeFigureOut">
               <a:rPr lang="en-US" smtClean="0"/>
-              <a:t>3/20/2014</a:t>
+              <a:pPr/>
+              <a:t>3/25/2014</a:t>
             </a:fld>
             <a:endParaRPr lang="en-US"/>
           </a:p>
@@ -1890,6 +2276,7 @@
           <a:p>
             <a:fld id="{6671CEBE-EFEF-4CBE-82EA-C3B51BED451D}" type="slidenum">
               <a:rPr lang="en-US" smtClean="0"/>
+              <a:pPr/>
               <a:t>‹#›</a:t>
             </a:fld>
             <a:endParaRPr lang="en-US"/>
@@ -2265,7 +2652,8 @@
           <a:p>
             <a:fld id="{159A8543-BA08-49AA-B276-8F78B8BFEED8}" type="datetimeFigureOut">
               <a:rPr lang="en-US" smtClean="0"/>
-              <a:t>3/20/2014</a:t>
+              <a:pPr/>
+              <a:t>3/25/2014</a:t>
             </a:fld>
             <a:endParaRPr lang="en-US"/>
           </a:p>
@@ -2307,6 +2695,7 @@
           <a:p>
             <a:fld id="{6671CEBE-EFEF-4CBE-82EA-C3B51BED451D}" type="slidenum">
               <a:rPr lang="en-US" smtClean="0"/>
+              <a:pPr/>
               <a:t>‹#›</a:t>
             </a:fld>
             <a:endParaRPr lang="en-US"/>
@@ -2378,7 +2767,8 @@
           <a:p>
             <a:fld id="{159A8543-BA08-49AA-B276-8F78B8BFEED8}" type="datetimeFigureOut">
               <a:rPr lang="en-US" smtClean="0"/>
-              <a:t>3/20/2014</a:t>
+              <a:pPr/>
+              <a:t>3/25/2014</a:t>
             </a:fld>
             <a:endParaRPr lang="en-US"/>
           </a:p>
@@ -2420,6 +2810,7 @@
           <a:p>
             <a:fld id="{6671CEBE-EFEF-4CBE-82EA-C3B51BED451D}" type="slidenum">
               <a:rPr lang="en-US" smtClean="0"/>
+              <a:pPr/>
               <a:t>‹#›</a:t>
             </a:fld>
             <a:endParaRPr lang="en-US"/>
@@ -2468,7 +2859,8 @@
           <a:p>
             <a:fld id="{159A8543-BA08-49AA-B276-8F78B8BFEED8}" type="datetimeFigureOut">
               <a:rPr lang="en-US" smtClean="0"/>
-              <a:t>3/20/2014</a:t>
+              <a:pPr/>
+              <a:t>3/25/2014</a:t>
             </a:fld>
             <a:endParaRPr lang="en-US"/>
           </a:p>
@@ -2510,6 +2902,7 @@
           <a:p>
             <a:fld id="{6671CEBE-EFEF-4CBE-82EA-C3B51BED451D}" type="slidenum">
               <a:rPr lang="en-US" smtClean="0"/>
+              <a:pPr/>
               <a:t>‹#›</a:t>
             </a:fld>
             <a:endParaRPr lang="en-US"/>
@@ -2740,7 +3133,8 @@
           <a:p>
             <a:fld id="{159A8543-BA08-49AA-B276-8F78B8BFEED8}" type="datetimeFigureOut">
               <a:rPr lang="en-US" smtClean="0"/>
-              <a:t>3/20/2014</a:t>
+              <a:pPr/>
+              <a:t>3/25/2014</a:t>
             </a:fld>
             <a:endParaRPr lang="en-US"/>
           </a:p>
@@ -2782,6 +3176,7 @@
           <a:p>
             <a:fld id="{6671CEBE-EFEF-4CBE-82EA-C3B51BED451D}" type="slidenum">
               <a:rPr lang="en-US" smtClean="0"/>
+              <a:pPr/>
               <a:t>‹#›</a:t>
             </a:fld>
             <a:endParaRPr lang="en-US"/>
@@ -2988,7 +3383,8 @@
           <a:p>
             <a:fld id="{159A8543-BA08-49AA-B276-8F78B8BFEED8}" type="datetimeFigureOut">
               <a:rPr lang="en-US" smtClean="0"/>
-              <a:t>3/20/2014</a:t>
+              <a:pPr/>
+              <a:t>3/25/2014</a:t>
             </a:fld>
             <a:endParaRPr lang="en-US"/>
           </a:p>
@@ -3030,6 +3426,7 @@
           <a:p>
             <a:fld id="{6671CEBE-EFEF-4CBE-82EA-C3B51BED451D}" type="slidenum">
               <a:rPr lang="en-US" smtClean="0"/>
+              <a:pPr/>
               <a:t>‹#›</a:t>
             </a:fld>
             <a:endParaRPr lang="en-US"/>
@@ -3196,7 +3593,8 @@
           <a:p>
             <a:fld id="{159A8543-BA08-49AA-B276-8F78B8BFEED8}" type="datetimeFigureOut">
               <a:rPr lang="en-US" smtClean="0"/>
-              <a:t>3/20/2014</a:t>
+              <a:pPr/>
+              <a:t>3/25/2014</a:t>
             </a:fld>
             <a:endParaRPr lang="en-US"/>
           </a:p>
@@ -3274,6 +3672,7 @@
           <a:p>
             <a:fld id="{6671CEBE-EFEF-4CBE-82EA-C3B51BED451D}" type="slidenum">
               <a:rPr lang="en-US" smtClean="0"/>
+              <a:pPr/>
               <a:t>‹#›</a:t>
             </a:fld>
             <a:endParaRPr lang="en-US"/>
@@ -3650,7 +4049,7 @@
             <p:nvPr/>
           </p:nvPicPr>
           <p:blipFill>
-            <a:blip r:embed="rId2" cstate="print"/>
+            <a:blip r:embed="rId3" cstate="print"/>
             <a:srcRect/>
             <a:stretch>
               <a:fillRect/>
@@ -3713,7 +4112,7 @@
                       </a:srgbClr>
                     </a:outerShdw>
                   </a:effectLst>
-                  <a:hlinkClick r:id="rId3" action="ppaction://hlinksldjump"/>
+                  <a:hlinkClick r:id="rId4" action="ppaction://hlinksldjump"/>
                 </a:rPr>
                 <a:t>David</a:t>
               </a:r>
@@ -3804,7 +4203,7 @@
                       </a:srgbClr>
                     </a:outerShdw>
                   </a:effectLst>
-                  <a:hlinkClick r:id="rId4" action="ppaction://hlinksldjump"/>
+                  <a:hlinkClick r:id="rId5" action="ppaction://hlinksldjump"/>
                 </a:rPr>
                 <a:t>M</a:t>
               </a:r>
@@ -3831,7 +4230,7 @@
                       </a:srgbClr>
                     </a:outerShdw>
                   </a:effectLst>
-                  <a:hlinkClick r:id="rId4" action="ppaction://hlinksldjump"/>
+                  <a:hlinkClick r:id="rId5" action="ppaction://hlinksldjump"/>
                 </a:rPr>
                 <a:t>arlee</a:t>
               </a:r>
@@ -3870,7 +4269,7 @@
             <p:nvPr/>
           </p:nvPicPr>
           <p:blipFill>
-            <a:blip r:embed="rId5" cstate="print"/>
+            <a:blip r:embed="rId6" cstate="print"/>
             <a:srcRect/>
             <a:stretch>
               <a:fillRect/>
@@ -3948,7 +4347,7 @@
                       </a:srgbClr>
                     </a:outerShdw>
                   </a:effectLst>
-                  <a:hlinkClick r:id="rId4" action="ppaction://hlinksldjump"/>
+                  <a:hlinkClick r:id="rId5" action="ppaction://hlinksldjump"/>
                 </a:rPr>
                 <a:t>Joey</a:t>
               </a:r>
@@ -3987,7 +4386,7 @@
             <p:nvPr/>
           </p:nvPicPr>
           <p:blipFill>
-            <a:blip r:embed="rId6" cstate="print"/>
+            <a:blip r:embed="rId7" cstate="print"/>
             <a:srcRect/>
             <a:stretch>
               <a:fillRect/>
@@ -4069,6 +4468,57 @@
                 </a:outerShdw>
               </a:effectLst>
             </a:endParaRPr>
+          </a:p>
+        </p:txBody>
+      </p:sp>
+      <p:sp>
+        <p:nvSpPr>
+          <p:cNvPr id="13" name="Rectangle 12"/>
+          <p:cNvSpPr/>
+          <p:nvPr/>
+        </p:nvSpPr>
+        <p:spPr>
+          <a:xfrm>
+            <a:off x="5257800" y="2209800"/>
+            <a:ext cx="3429000" cy="1752600"/>
+          </a:xfrm>
+          <a:prstGeom prst="rect">
+            <a:avLst/>
+          </a:prstGeom>
+        </p:spPr>
+        <p:style>
+          <a:lnRef idx="2">
+            <a:schemeClr val="accent1">
+              <a:shade val="50000"/>
+            </a:schemeClr>
+          </a:lnRef>
+          <a:fillRef idx="1">
+            <a:schemeClr val="accent1"/>
+          </a:fillRef>
+          <a:effectRef idx="0">
+            <a:schemeClr val="accent1"/>
+          </a:effectRef>
+          <a:fontRef idx="minor">
+            <a:schemeClr val="lt1"/>
+          </a:fontRef>
+        </p:style>
+        <p:txBody>
+          <a:bodyPr rtlCol="0" anchor="ctr"/>
+          <a:lstStyle/>
+          <a:p>
+            <a:pPr algn="ctr"/>
+            <a:r>
+              <a:rPr lang="en-US" dirty="0" smtClean="0"/>
+              <a:t>Will you be Driving?</a:t>
+            </a:r>
+          </a:p>
+          <a:p>
+            <a:pPr algn="ctr"/>
+            <a:r>
+              <a:rPr lang="en-US" dirty="0" smtClean="0"/>
+              <a:t>Yes          No</a:t>
+            </a:r>
+            <a:endParaRPr lang="en-US" dirty="0"/>
           </a:p>
         </p:txBody>
       </p:sp>
@@ -4112,7 +4562,7 @@
         </p:nvSpPr>
         <p:spPr>
           <a:xfrm>
-            <a:off x="5019675" y="1638300"/>
+            <a:off x="3933825" y="1485900"/>
             <a:ext cx="1419225" cy="1408176"/>
           </a:xfrm>
           <a:prstGeom prst="rect">
@@ -4174,13 +4624,15 @@
       </p:sp>
       <p:sp>
         <p:nvSpPr>
-          <p:cNvPr id="8" name="Rectangle 7"/>
+          <p:cNvPr id="8" name="Rectangle 7">
+            <a:hlinkClick r:id="rId3" action="ppaction://hlinksldjump"/>
+          </p:cNvPr>
           <p:cNvSpPr/>
           <p:nvPr/>
         </p:nvSpPr>
         <p:spPr>
           <a:xfrm>
-            <a:off x="6886575" y="1638300"/>
+            <a:off x="5800725" y="1485900"/>
             <a:ext cx="1419225" cy="1408176"/>
           </a:xfrm>
           <a:prstGeom prst="rect">
@@ -4236,6 +4688,13 @@
               <a:rPr lang="en-US" sz="1600" dirty="0" smtClean="0"/>
               <a:t>Entertainment</a:t>
             </a:r>
+          </a:p>
+          <a:p>
+            <a:pPr algn="ctr"/>
+            <a:r>
+              <a:rPr lang="en-US" sz="1600" dirty="0" smtClean="0"/>
+              <a:t>Master</a:t>
+            </a:r>
             <a:endParaRPr lang="en-US" sz="1600" dirty="0"/>
           </a:p>
         </p:txBody>
@@ -4248,7 +4707,7 @@
         </p:nvSpPr>
         <p:spPr>
           <a:xfrm>
-            <a:off x="6886575" y="3390900"/>
+            <a:off x="5800725" y="3238500"/>
             <a:ext cx="1419225" cy="1408176"/>
           </a:xfrm>
           <a:prstGeom prst="rect">
@@ -4312,7 +4771,7 @@
         </p:nvSpPr>
         <p:spPr>
           <a:xfrm>
-            <a:off x="5019675" y="5067300"/>
+            <a:off x="3933825" y="4914900"/>
             <a:ext cx="1419225" cy="1408176"/>
           </a:xfrm>
           <a:prstGeom prst="rect">
@@ -4364,7 +4823,7 @@
         </p:nvSpPr>
         <p:spPr>
           <a:xfrm>
-            <a:off x="6886575" y="5067300"/>
+            <a:off x="5800725" y="4914900"/>
             <a:ext cx="1419225" cy="1408176"/>
           </a:xfrm>
           <a:prstGeom prst="rect">
@@ -4410,13 +4869,15 @@
       </p:sp>
       <p:sp>
         <p:nvSpPr>
-          <p:cNvPr id="17" name="Rectangle 16"/>
+          <p:cNvPr id="17" name="Rectangle 16">
+            <a:hlinkClick r:id="rId4" action="ppaction://hlinksldjump"/>
+          </p:cNvPr>
           <p:cNvSpPr/>
           <p:nvPr/>
         </p:nvSpPr>
         <p:spPr>
           <a:xfrm>
-            <a:off x="1238250" y="1639824"/>
+            <a:off x="152400" y="1487424"/>
             <a:ext cx="1419225" cy="1408176"/>
           </a:xfrm>
           <a:prstGeom prst="rect">
@@ -4478,13 +4939,15 @@
       </p:sp>
       <p:sp>
         <p:nvSpPr>
-          <p:cNvPr id="18" name="Rectangle 17"/>
+          <p:cNvPr id="18" name="Rectangle 17">
+            <a:hlinkClick r:id="rId5" action="ppaction://hlinksldjump"/>
+          </p:cNvPr>
           <p:cNvSpPr/>
           <p:nvPr/>
         </p:nvSpPr>
         <p:spPr>
           <a:xfrm>
-            <a:off x="3105150" y="1639824"/>
+            <a:off x="2019300" y="1487424"/>
             <a:ext cx="1419225" cy="1408176"/>
           </a:xfrm>
           <a:prstGeom prst="rect">
@@ -4534,7 +4997,7 @@
             <a:pPr algn="ctr"/>
             <a:r>
               <a:rPr lang="en-US" dirty="0" smtClean="0"/>
-              <a:t>Locks and Windows</a:t>
+              <a:t>Doors and Windows</a:t>
             </a:r>
             <a:endParaRPr lang="en-US" dirty="0"/>
           </a:p>
@@ -4548,7 +5011,7 @@
         </p:nvSpPr>
         <p:spPr>
           <a:xfrm>
-            <a:off x="1238250" y="3392424"/>
+            <a:off x="152400" y="3240024"/>
             <a:ext cx="1419225" cy="1408176"/>
           </a:xfrm>
           <a:prstGeom prst="rect">
@@ -4612,7 +5075,7 @@
         </p:nvSpPr>
         <p:spPr>
           <a:xfrm>
-            <a:off x="3105150" y="3392424"/>
+            <a:off x="2019300" y="3240024"/>
             <a:ext cx="1419225" cy="1408176"/>
           </a:xfrm>
           <a:prstGeom prst="rect">
@@ -4669,7 +5132,7 @@
             <a:pPr algn="ctr"/>
             <a:r>
               <a:rPr lang="en-US" dirty="0" smtClean="0"/>
-              <a:t>Over-ride</a:t>
+              <a:t>Master</a:t>
             </a:r>
             <a:endParaRPr lang="en-US" dirty="0"/>
           </a:p>
@@ -4683,7 +5146,7 @@
         </p:nvSpPr>
         <p:spPr>
           <a:xfrm>
-            <a:off x="1238250" y="5068824"/>
+            <a:off x="152400" y="4916424"/>
             <a:ext cx="1419225" cy="1408176"/>
           </a:xfrm>
           <a:prstGeom prst="rect">
@@ -4723,6 +5186,10 @@
           <a:lstStyle/>
           <a:p>
             <a:pPr algn="ctr"/>
+            <a:endParaRPr lang="en-US" dirty="0" smtClean="0"/>
+          </a:p>
+          <a:p>
+            <a:pPr algn="ctr"/>
             <a:r>
               <a:rPr lang="en-US" dirty="0" smtClean="0"/>
               <a:t>Internet Setup</a:t>
@@ -4739,7 +5206,7 @@
         </p:nvSpPr>
         <p:spPr>
           <a:xfrm>
-            <a:off x="3105150" y="5068824"/>
+            <a:off x="2019300" y="4916424"/>
             <a:ext cx="1419225" cy="1408176"/>
           </a:xfrm>
           <a:prstGeom prst="rect">
@@ -4828,7 +5295,7 @@
           <p:nvPr/>
         </p:nvPicPr>
         <p:blipFill>
-          <a:blip r:embed="rId3" cstate="print"/>
+          <a:blip r:embed="rId6" cstate="print"/>
           <a:srcRect/>
           <a:stretch>
             <a:fillRect/>
@@ -4836,7 +5303,7 @@
         </p:blipFill>
         <p:spPr bwMode="auto">
           <a:xfrm>
-            <a:off x="1643062" y="1676400"/>
+            <a:off x="557212" y="1524000"/>
             <a:ext cx="609600" cy="609600"/>
           </a:xfrm>
           <a:prstGeom prst="rect">
@@ -4854,7 +5321,7 @@
           <p:nvPr/>
         </p:nvPicPr>
         <p:blipFill>
-          <a:blip r:embed="rId4" cstate="print"/>
+          <a:blip r:embed="rId7" cstate="print"/>
           <a:srcRect/>
           <a:stretch>
             <a:fillRect/>
@@ -4862,7 +5329,7 @@
         </p:blipFill>
         <p:spPr bwMode="auto">
           <a:xfrm>
-            <a:off x="3508438" y="1752600"/>
+            <a:off x="2422588" y="1600200"/>
             <a:ext cx="612648" cy="612648"/>
           </a:xfrm>
           <a:prstGeom prst="rect">
@@ -4880,7 +5347,7 @@
           <p:nvPr/>
         </p:nvPicPr>
         <p:blipFill>
-          <a:blip r:embed="rId5" cstate="print"/>
+          <a:blip r:embed="rId8" cstate="print"/>
           <a:srcRect/>
           <a:stretch>
             <a:fillRect/>
@@ -4888,7 +5355,7 @@
         </p:blipFill>
         <p:spPr bwMode="auto">
           <a:xfrm>
-            <a:off x="5410200" y="1752600"/>
+            <a:off x="4324350" y="1600200"/>
             <a:ext cx="618003" cy="612648"/>
           </a:xfrm>
           <a:prstGeom prst="rect">
@@ -4907,7 +5374,7 @@
         </p:nvSpPr>
         <p:spPr bwMode="auto">
           <a:xfrm>
-            <a:off x="1600200" y="3502152"/>
+            <a:off x="514350" y="3349752"/>
             <a:ext cx="612648" cy="612648"/>
           </a:xfrm>
           <a:custGeom>
@@ -5196,7 +5663,7 @@
           <p:nvPr/>
         </p:nvPicPr>
         <p:blipFill>
-          <a:blip r:embed="rId6" cstate="print">
+          <a:blip r:embed="rId9" cstate="print">
             <a:lum bright="70000" contrast="-70000"/>
           </a:blip>
           <a:srcRect/>
@@ -5206,7 +5673,7 @@
         </p:blipFill>
         <p:spPr bwMode="auto">
           <a:xfrm>
-            <a:off x="7239000" y="1752600"/>
+            <a:off x="6153150" y="1600200"/>
             <a:ext cx="680068" cy="612648"/>
           </a:xfrm>
           <a:prstGeom prst="rect">
@@ -5223,7 +5690,7 @@
         </p:nvGrpSpPr>
         <p:grpSpPr>
           <a:xfrm>
-            <a:off x="3505200" y="3505200"/>
+            <a:off x="2419350" y="3352800"/>
             <a:ext cx="612648" cy="612648"/>
             <a:chOff x="1219200" y="-2819400"/>
             <a:chExt cx="3657600" cy="2438401"/>
@@ -5238,7 +5705,7 @@
             <p:nvPr/>
           </p:nvPicPr>
           <p:blipFill>
-            <a:blip r:embed="rId7" cstate="print"/>
+            <a:blip r:embed="rId10" cstate="print"/>
             <a:srcRect/>
             <a:stretch>
               <a:fillRect/>
@@ -5264,7 +5731,7 @@
             <p:nvPr/>
           </p:nvPicPr>
           <p:blipFill>
-            <a:blip r:embed="rId8" cstate="print"/>
+            <a:blip r:embed="rId11" cstate="print"/>
             <a:srcRect/>
             <a:stretch>
               <a:fillRect/>
@@ -5290,8 +5757,8 @@
         </p:nvSpPr>
         <p:spPr>
           <a:xfrm>
-            <a:off x="5029200" y="3392424"/>
-            <a:ext cx="1419225" cy="1408176"/>
+            <a:off x="3886200" y="3240024"/>
+            <a:ext cx="1476375" cy="1408176"/>
           </a:xfrm>
           <a:prstGeom prst="rect">
             <a:avLst/>
@@ -5340,7 +5807,14 @@
             <a:pPr algn="ctr"/>
             <a:r>
               <a:rPr lang="en-US" dirty="0" smtClean="0"/>
-              <a:t>Comfort Over-ride</a:t>
+              <a:t>Comfort </a:t>
+            </a:r>
+          </a:p>
+          <a:p>
+            <a:pPr algn="ctr"/>
+            <a:r>
+              <a:rPr lang="en-US" dirty="0" smtClean="0"/>
+              <a:t>Master</a:t>
             </a:r>
             <a:endParaRPr lang="en-US" dirty="0"/>
           </a:p>
@@ -5354,7 +5828,7 @@
         </p:nvGrpSpPr>
         <p:grpSpPr>
           <a:xfrm>
-            <a:off x="5410200" y="3505200"/>
+            <a:off x="4324350" y="3352800"/>
             <a:ext cx="612648" cy="612648"/>
             <a:chOff x="3505200" y="-2133600"/>
             <a:chExt cx="1524000" cy="1827212"/>
@@ -5369,7 +5843,7 @@
             <p:nvPr/>
           </p:nvPicPr>
           <p:blipFill>
-            <a:blip r:embed="rId9" cstate="print"/>
+            <a:blip r:embed="rId12" cstate="print"/>
             <a:srcRect/>
             <a:stretch>
               <a:fillRect/>
@@ -5395,7 +5869,7 @@
             <p:nvPr/>
           </p:nvPicPr>
           <p:blipFill>
-            <a:blip r:embed="rId10" cstate="print"/>
+            <a:blip r:embed="rId13" cstate="print"/>
             <a:srcRect/>
             <a:stretch>
               <a:fillRect/>
@@ -5422,7 +5896,7 @@
           <p:nvPr/>
         </p:nvPicPr>
         <p:blipFill>
-          <a:blip r:embed="rId11" cstate="print"/>
+          <a:blip r:embed="rId14" cstate="print"/>
           <a:srcRect/>
           <a:stretch>
             <a:fillRect/>
@@ -5430,8 +5904,483 @@
         </p:blipFill>
         <p:spPr bwMode="auto">
           <a:xfrm>
-            <a:off x="7239000" y="3505200"/>
+            <a:off x="6153150" y="3352800"/>
             <a:ext cx="616816" cy="612648"/>
+          </a:xfrm>
+          <a:prstGeom prst="rect">
+            <a:avLst/>
+          </a:prstGeom>
+          <a:noFill/>
+        </p:spPr>
+      </p:pic>
+      <p:pic>
+        <p:nvPicPr>
+          <p:cNvPr id="2050" name="Picture 2" descr="C:\Users\student\AppData\Local\Microsoft\Windows\Temporary Internet Files\Content.IE5\ZXEC6SMV\MP900446463[1].jpg"/>
+          <p:cNvPicPr>
+            <a:picLocks noChangeAspect="1" noChangeArrowheads="1"/>
+          </p:cNvPicPr>
+          <p:nvPr/>
+        </p:nvPicPr>
+        <p:blipFill>
+          <a:blip r:embed="rId15" cstate="print"/>
+          <a:srcRect/>
+          <a:stretch>
+            <a:fillRect/>
+          </a:stretch>
+        </p:blipFill>
+        <p:spPr bwMode="auto">
+          <a:xfrm>
+            <a:off x="742950" y="5029200"/>
+            <a:ext cx="341376" cy="512064"/>
+          </a:xfrm>
+          <a:prstGeom prst="rect">
+            <a:avLst/>
+          </a:prstGeom>
+          <a:noFill/>
+        </p:spPr>
+      </p:pic>
+      <p:sp>
+        <p:nvSpPr>
+          <p:cNvPr id="30" name="Rectangle 29"/>
+          <p:cNvSpPr/>
+          <p:nvPr/>
+        </p:nvSpPr>
+        <p:spPr>
+          <a:xfrm>
+            <a:off x="2038350" y="4916424"/>
+            <a:ext cx="1419225" cy="1408176"/>
+          </a:xfrm>
+          <a:prstGeom prst="rect">
+            <a:avLst/>
+          </a:prstGeom>
+          <a:solidFill>
+            <a:srgbClr val="454545"/>
+          </a:solidFill>
+          <a:ln w="19050" cap="sq">
+            <a:noFill/>
+            <a:miter lim="800000"/>
+          </a:ln>
+        </p:spPr>
+        <p:style>
+          <a:lnRef idx="2">
+            <a:schemeClr val="accent1">
+              <a:shade val="50000"/>
+            </a:schemeClr>
+          </a:lnRef>
+          <a:fillRef idx="1">
+            <a:schemeClr val="accent1"/>
+          </a:fillRef>
+          <a:effectRef idx="0">
+            <a:schemeClr val="accent1"/>
+          </a:effectRef>
+          <a:fontRef idx="minor">
+            <a:schemeClr val="lt1"/>
+          </a:fontRef>
+        </p:style>
+        <p:txBody>
+          <a:bodyPr rot="0" spcFirstLastPara="0" vertOverflow="overflow" horzOverflow="overflow" vert="horz" wrap="square" lIns="91440" tIns="45720" rIns="91440" bIns="45720" numCol="1" spcCol="0" rtlCol="0" fromWordArt="0" anchor="ctr" anchorCtr="0" forceAA="0" compatLnSpc="1">
+            <a:prstTxWarp prst="textNoShape">
+              <a:avLst/>
+            </a:prstTxWarp>
+            <a:noAutofit/>
+          </a:bodyPr>
+          <a:lstStyle/>
+          <a:p>
+            <a:pPr algn="ctr"/>
+            <a:endParaRPr lang="en-US" dirty="0" smtClean="0"/>
+          </a:p>
+          <a:p>
+            <a:pPr algn="ctr"/>
+            <a:endParaRPr lang="en-US" dirty="0" smtClean="0"/>
+          </a:p>
+          <a:p>
+            <a:pPr algn="ctr"/>
+            <a:r>
+              <a:rPr lang="en-US" dirty="0" smtClean="0"/>
+              <a:t>Video</a:t>
+            </a:r>
+            <a:endParaRPr lang="en-US" dirty="0"/>
+          </a:p>
+        </p:txBody>
+      </p:sp>
+      <p:sp>
+        <p:nvSpPr>
+          <p:cNvPr id="31" name="Rectangle 30"/>
+          <p:cNvSpPr/>
+          <p:nvPr/>
+        </p:nvSpPr>
+        <p:spPr>
+          <a:xfrm>
+            <a:off x="3905250" y="4916424"/>
+            <a:ext cx="1419225" cy="1408176"/>
+          </a:xfrm>
+          <a:prstGeom prst="rect">
+            <a:avLst/>
+          </a:prstGeom>
+          <a:solidFill>
+            <a:srgbClr val="454545"/>
+          </a:solidFill>
+          <a:ln w="19050" cap="sq">
+            <a:noFill/>
+            <a:miter lim="800000"/>
+          </a:ln>
+        </p:spPr>
+        <p:style>
+          <a:lnRef idx="2">
+            <a:schemeClr val="accent1">
+              <a:shade val="50000"/>
+            </a:schemeClr>
+          </a:lnRef>
+          <a:fillRef idx="1">
+            <a:schemeClr val="accent1"/>
+          </a:fillRef>
+          <a:effectRef idx="0">
+            <a:schemeClr val="accent1"/>
+          </a:effectRef>
+          <a:fontRef idx="minor">
+            <a:schemeClr val="lt1"/>
+          </a:fontRef>
+        </p:style>
+        <p:txBody>
+          <a:bodyPr rot="0" spcFirstLastPara="0" vertOverflow="overflow" horzOverflow="overflow" vert="horz" wrap="square" lIns="91440" tIns="45720" rIns="91440" bIns="45720" numCol="1" spcCol="0" rtlCol="0" fromWordArt="0" anchor="ctr" anchorCtr="0" forceAA="0" compatLnSpc="1">
+            <a:prstTxWarp prst="textNoShape">
+              <a:avLst/>
+            </a:prstTxWarp>
+            <a:noAutofit/>
+          </a:bodyPr>
+          <a:lstStyle/>
+          <a:p>
+            <a:pPr algn="ctr"/>
+            <a:endParaRPr lang="en-US" dirty="0" smtClean="0"/>
+          </a:p>
+          <a:p>
+            <a:pPr algn="ctr"/>
+            <a:endParaRPr lang="en-US" dirty="0"/>
+          </a:p>
+          <a:p>
+            <a:pPr algn="ctr"/>
+            <a:r>
+              <a:rPr lang="en-US" dirty="0" smtClean="0"/>
+              <a:t>Games</a:t>
+            </a:r>
+            <a:endParaRPr lang="en-US" dirty="0"/>
+          </a:p>
+        </p:txBody>
+      </p:sp>
+      <p:pic>
+        <p:nvPicPr>
+          <p:cNvPr id="32" name="Picture 8" descr="C:\Users\student\AppData\Local\Microsoft\Windows\Temporary Internet Files\Content.IE5\P05OJWTZ\MC900432653[1].png"/>
+          <p:cNvPicPr>
+            <a:picLocks noChangeAspect="1" noChangeArrowheads="1"/>
+          </p:cNvPicPr>
+          <p:nvPr/>
+        </p:nvPicPr>
+        <p:blipFill>
+          <a:blip r:embed="rId16" cstate="print"/>
+          <a:srcRect/>
+          <a:stretch>
+            <a:fillRect/>
+          </a:stretch>
+        </p:blipFill>
+        <p:spPr bwMode="auto">
+          <a:xfrm>
+            <a:off x="2400300" y="4953000"/>
+            <a:ext cx="612648" cy="612648"/>
+          </a:xfrm>
+          <a:prstGeom prst="rect">
+            <a:avLst/>
+          </a:prstGeom>
+          <a:noFill/>
+        </p:spPr>
+      </p:pic>
+      <p:pic>
+        <p:nvPicPr>
+          <p:cNvPr id="33" name="Picture 10" descr="C:\Users\student\AppData\Local\Microsoft\Windows\Temporary Internet Files\Content.IE5\XDKIQZBD\MC900431511[1].png"/>
+          <p:cNvPicPr>
+            <a:picLocks noChangeAspect="1" noChangeArrowheads="1"/>
+          </p:cNvPicPr>
+          <p:nvPr/>
+        </p:nvPicPr>
+        <p:blipFill>
+          <a:blip r:embed="rId17" cstate="print"/>
+          <a:srcRect/>
+          <a:stretch>
+            <a:fillRect/>
+          </a:stretch>
+        </p:blipFill>
+        <p:spPr bwMode="auto">
+          <a:xfrm>
+            <a:off x="4305300" y="5029200"/>
+            <a:ext cx="612648" cy="612648"/>
+          </a:xfrm>
+          <a:prstGeom prst="rect">
+            <a:avLst/>
+          </a:prstGeom>
+          <a:noFill/>
+        </p:spPr>
+      </p:pic>
+      <p:sp>
+        <p:nvSpPr>
+          <p:cNvPr id="34" name="Rectangle 33"/>
+          <p:cNvSpPr/>
+          <p:nvPr/>
+        </p:nvSpPr>
+        <p:spPr>
+          <a:xfrm>
+            <a:off x="5800725" y="4916424"/>
+            <a:ext cx="1419225" cy="1408176"/>
+          </a:xfrm>
+          <a:prstGeom prst="rect">
+            <a:avLst/>
+          </a:prstGeom>
+          <a:solidFill>
+            <a:srgbClr val="454545"/>
+          </a:solidFill>
+          <a:ln w="19050" cap="sq">
+            <a:noFill/>
+            <a:miter lim="800000"/>
+          </a:ln>
+        </p:spPr>
+        <p:style>
+          <a:lnRef idx="2">
+            <a:schemeClr val="accent1">
+              <a:shade val="50000"/>
+            </a:schemeClr>
+          </a:lnRef>
+          <a:fillRef idx="1">
+            <a:schemeClr val="accent1"/>
+          </a:fillRef>
+          <a:effectRef idx="0">
+            <a:schemeClr val="accent1"/>
+          </a:effectRef>
+          <a:fontRef idx="minor">
+            <a:schemeClr val="lt1"/>
+          </a:fontRef>
+        </p:style>
+        <p:txBody>
+          <a:bodyPr rot="0" spcFirstLastPara="0" vertOverflow="overflow" horzOverflow="overflow" vert="horz" wrap="square" lIns="91440" tIns="45720" rIns="91440" bIns="45720" numCol="1" spcCol="0" rtlCol="0" fromWordArt="0" anchor="ctr" anchorCtr="0" forceAA="0" compatLnSpc="1">
+            <a:prstTxWarp prst="textNoShape">
+              <a:avLst/>
+            </a:prstTxWarp>
+            <a:noAutofit/>
+          </a:bodyPr>
+          <a:lstStyle/>
+          <a:p>
+            <a:pPr algn="ctr"/>
+            <a:endParaRPr lang="en-US" dirty="0" smtClean="0"/>
+          </a:p>
+          <a:p>
+            <a:pPr algn="ctr"/>
+            <a:r>
+              <a:rPr lang="en-US" dirty="0" smtClean="0"/>
+              <a:t>Browser</a:t>
+            </a:r>
+            <a:endParaRPr lang="en-US" dirty="0"/>
+          </a:p>
+        </p:txBody>
+      </p:sp>
+      <p:pic>
+        <p:nvPicPr>
+          <p:cNvPr id="37" name="Picture 6" descr="C:\Users\student\AppData\Local\Microsoft\Windows\Temporary Internet Files\Content.IE5\P05OJWTZ\MC910216405[1].png"/>
+          <p:cNvPicPr>
+            <a:picLocks noChangeAspect="1" noChangeArrowheads="1"/>
+          </p:cNvPicPr>
+          <p:nvPr/>
+        </p:nvPicPr>
+        <p:blipFill>
+          <a:blip r:embed="rId18" cstate="print"/>
+          <a:srcRect/>
+          <a:stretch>
+            <a:fillRect/>
+          </a:stretch>
+        </p:blipFill>
+        <p:spPr bwMode="auto">
+          <a:xfrm>
+            <a:off x="6238875" y="5105400"/>
+            <a:ext cx="587783" cy="512064"/>
+          </a:xfrm>
+          <a:prstGeom prst="rect">
+            <a:avLst/>
+          </a:prstGeom>
+          <a:noFill/>
+        </p:spPr>
+      </p:pic>
+      <p:sp>
+        <p:nvSpPr>
+          <p:cNvPr id="38" name="Rectangle 37"/>
+          <p:cNvSpPr/>
+          <p:nvPr/>
+        </p:nvSpPr>
+        <p:spPr>
+          <a:xfrm>
+            <a:off x="7629525" y="1487424"/>
+            <a:ext cx="1419225" cy="1408176"/>
+          </a:xfrm>
+          <a:prstGeom prst="rect">
+            <a:avLst/>
+          </a:prstGeom>
+          <a:solidFill>
+            <a:srgbClr val="454545"/>
+          </a:solidFill>
+          <a:ln w="19050" cap="sq">
+            <a:noFill/>
+            <a:miter lim="800000"/>
+          </a:ln>
+        </p:spPr>
+        <p:style>
+          <a:lnRef idx="2">
+            <a:schemeClr val="accent1">
+              <a:shade val="50000"/>
+            </a:schemeClr>
+          </a:lnRef>
+          <a:fillRef idx="1">
+            <a:schemeClr val="accent1"/>
+          </a:fillRef>
+          <a:effectRef idx="0">
+            <a:schemeClr val="accent1"/>
+          </a:effectRef>
+          <a:fontRef idx="minor">
+            <a:schemeClr val="lt1"/>
+          </a:fontRef>
+        </p:style>
+        <p:txBody>
+          <a:bodyPr rot="0" spcFirstLastPara="0" vertOverflow="overflow" horzOverflow="overflow" vert="horz" wrap="square" lIns="91440" tIns="45720" rIns="91440" bIns="45720" numCol="1" spcCol="0" rtlCol="0" fromWordArt="0" anchor="ctr" anchorCtr="0" forceAA="0" compatLnSpc="1">
+            <a:prstTxWarp prst="textNoShape">
+              <a:avLst/>
+            </a:prstTxWarp>
+            <a:noAutofit/>
+          </a:bodyPr>
+          <a:lstStyle/>
+          <a:p>
+            <a:pPr algn="ctr"/>
+            <a:endParaRPr lang="en-US" dirty="0"/>
+          </a:p>
+          <a:p>
+            <a:pPr algn="ctr"/>
+            <a:endParaRPr lang="en-US" dirty="0"/>
+          </a:p>
+          <a:p>
+            <a:pPr algn="ctr"/>
+            <a:r>
+              <a:rPr lang="en-US" dirty="0" smtClean="0"/>
+              <a:t>GIS</a:t>
+            </a:r>
+            <a:endParaRPr lang="en-US" dirty="0"/>
+          </a:p>
+        </p:txBody>
+      </p:sp>
+      <p:pic>
+        <p:nvPicPr>
+          <p:cNvPr id="41" name="Picture 9" descr="C:\Program Files\Microsoft Office\MEDIA\CAGCAT10\j0293236.wmf"/>
+          <p:cNvPicPr>
+            <a:picLocks noChangeAspect="1" noChangeArrowheads="1"/>
+          </p:cNvPicPr>
+          <p:nvPr/>
+        </p:nvPicPr>
+        <p:blipFill>
+          <a:blip r:embed="rId19" cstate="print">
+            <a:biLevel thresh="50000"/>
+            <a:lum bright="100000"/>
+          </a:blip>
+          <a:srcRect/>
+          <a:stretch>
+            <a:fillRect/>
+          </a:stretch>
+        </p:blipFill>
+        <p:spPr bwMode="auto">
+          <a:xfrm>
+            <a:off x="7905750" y="1601724"/>
+            <a:ext cx="830446" cy="612648"/>
+          </a:xfrm>
+          <a:prstGeom prst="rect">
+            <a:avLst/>
+          </a:prstGeom>
+          <a:noFill/>
+        </p:spPr>
+      </p:pic>
+      <p:sp>
+        <p:nvSpPr>
+          <p:cNvPr id="42" name="Rectangle 41"/>
+          <p:cNvSpPr/>
+          <p:nvPr/>
+        </p:nvSpPr>
+        <p:spPr>
+          <a:xfrm>
+            <a:off x="7724775" y="3276600"/>
+            <a:ext cx="1419225" cy="1408176"/>
+          </a:xfrm>
+          <a:prstGeom prst="rect">
+            <a:avLst/>
+          </a:prstGeom>
+          <a:solidFill>
+            <a:srgbClr val="454545"/>
+          </a:solidFill>
+          <a:ln w="19050" cap="sq">
+            <a:noFill/>
+            <a:miter lim="800000"/>
+          </a:ln>
+        </p:spPr>
+        <p:style>
+          <a:lnRef idx="2">
+            <a:schemeClr val="accent1">
+              <a:shade val="50000"/>
+            </a:schemeClr>
+          </a:lnRef>
+          <a:fillRef idx="1">
+            <a:schemeClr val="accent1"/>
+          </a:fillRef>
+          <a:effectRef idx="0">
+            <a:schemeClr val="accent1"/>
+          </a:effectRef>
+          <a:fontRef idx="minor">
+            <a:schemeClr val="lt1"/>
+          </a:fontRef>
+        </p:style>
+        <p:txBody>
+          <a:bodyPr rot="0" spcFirstLastPara="0" vertOverflow="overflow" horzOverflow="overflow" vert="horz" wrap="square" lIns="91440" tIns="45720" rIns="91440" bIns="45720" numCol="1" spcCol="0" rtlCol="0" fromWordArt="0" anchor="ctr" anchorCtr="0" forceAA="0" compatLnSpc="1">
+            <a:prstTxWarp prst="textNoShape">
+              <a:avLst/>
+            </a:prstTxWarp>
+            <a:noAutofit/>
+          </a:bodyPr>
+          <a:lstStyle/>
+          <a:p>
+            <a:pPr algn="ctr"/>
+            <a:endParaRPr lang="en-US" dirty="0" smtClean="0"/>
+          </a:p>
+          <a:p>
+            <a:pPr algn="ctr"/>
+            <a:endParaRPr lang="en-US" dirty="0"/>
+          </a:p>
+          <a:p>
+            <a:pPr algn="ctr"/>
+            <a:r>
+              <a:rPr lang="en-US" dirty="0" smtClean="0"/>
+              <a:t>Audio</a:t>
+            </a:r>
+            <a:endParaRPr lang="en-US" dirty="0"/>
+          </a:p>
+        </p:txBody>
+      </p:sp>
+      <p:pic>
+        <p:nvPicPr>
+          <p:cNvPr id="43" name="Picture 7" descr="C:\Users\student\AppData\Local\Microsoft\Windows\Temporary Internet Files\Content.IE5\JSC1GYNN\MC900440403[1].png"/>
+          <p:cNvPicPr>
+            <a:picLocks noChangeAspect="1" noChangeArrowheads="1"/>
+          </p:cNvPicPr>
+          <p:nvPr/>
+        </p:nvPicPr>
+        <p:blipFill>
+          <a:blip r:embed="rId20" cstate="print"/>
+          <a:srcRect/>
+          <a:stretch>
+            <a:fillRect/>
+          </a:stretch>
+        </p:blipFill>
+        <p:spPr bwMode="auto">
+          <a:xfrm>
+            <a:off x="8115300" y="3390900"/>
+            <a:ext cx="612648" cy="612648"/>
           </a:xfrm>
           <a:prstGeom prst="rect">
             <a:avLst/>
@@ -5593,7 +6542,7 @@
             <a:pPr algn="ctr"/>
             <a:r>
               <a:rPr lang="en-US" dirty="0" smtClean="0"/>
-              <a:t>CIS</a:t>
+              <a:t>GIS</a:t>
             </a:r>
             <a:endParaRPr lang="en-US" dirty="0"/>
           </a:p>
@@ -5601,13 +6550,13 @@
       </p:sp>
       <p:sp>
         <p:nvSpPr>
-          <p:cNvPr id="5" name="Rectangle 4"/>
+          <p:cNvPr id="6" name="Rectangle 5"/>
           <p:cNvSpPr/>
           <p:nvPr/>
         </p:nvSpPr>
         <p:spPr>
           <a:xfrm>
-            <a:off x="5019675" y="2857500"/>
+            <a:off x="6886575" y="2857500"/>
             <a:ext cx="1419225" cy="1408176"/>
           </a:xfrm>
           <a:prstGeom prst="rect">
@@ -5647,23 +6596,23 @@
           <a:lstStyle/>
           <a:p>
             <a:pPr algn="ctr"/>
-            <a:r>
-              <a:rPr lang="en-US" dirty="0" smtClean="0"/>
-              <a:t>Window Control</a:t>
-            </a:r>
-            <a:endParaRPr lang="en-US" dirty="0"/>
-          </a:p>
-        </p:txBody>
-      </p:sp>
-      <p:sp>
-        <p:nvSpPr>
-          <p:cNvPr id="6" name="Rectangle 5"/>
+            <a:endParaRPr lang="en-US" dirty="0" smtClean="0"/>
+          </a:p>
+          <a:p>
+            <a:pPr algn="ctr"/>
+            <a:endParaRPr lang="en-US" dirty="0" smtClean="0"/>
+          </a:p>
+        </p:txBody>
+      </p:sp>
+      <p:sp>
+        <p:nvSpPr>
+          <p:cNvPr id="7" name="Rectangle 6"/>
           <p:cNvSpPr/>
           <p:nvPr/>
         </p:nvSpPr>
         <p:spPr>
           <a:xfrm>
-            <a:off x="6886575" y="2857500"/>
+            <a:off x="5019675" y="4648200"/>
             <a:ext cx="1419225" cy="1408176"/>
           </a:xfrm>
           <a:prstGeom prst="rect">
@@ -5703,23 +6652,19 @@
           <a:lstStyle/>
           <a:p>
             <a:pPr algn="ctr"/>
-            <a:r>
-              <a:rPr lang="en-US" dirty="0" smtClean="0"/>
-              <a:t>Door Control</a:t>
-            </a:r>
             <a:endParaRPr lang="en-US" dirty="0"/>
           </a:p>
         </p:txBody>
       </p:sp>
       <p:sp>
         <p:nvSpPr>
-          <p:cNvPr id="7" name="Rectangle 6"/>
+          <p:cNvPr id="8" name="Rectangle 7"/>
           <p:cNvSpPr/>
           <p:nvPr/>
         </p:nvSpPr>
         <p:spPr>
           <a:xfrm>
-            <a:off x="5019675" y="4914900"/>
+            <a:off x="6886575" y="4648200"/>
             <a:ext cx="1419225" cy="1408176"/>
           </a:xfrm>
           <a:prstGeom prst="rect">
@@ -5765,13 +6710,13 @@
       </p:sp>
       <p:sp>
         <p:nvSpPr>
-          <p:cNvPr id="8" name="Rectangle 7"/>
+          <p:cNvPr id="9" name="Rectangle 8"/>
           <p:cNvSpPr/>
           <p:nvPr/>
         </p:nvSpPr>
         <p:spPr>
           <a:xfrm>
-            <a:off x="6886575" y="4914900"/>
+            <a:off x="1238250" y="1106424"/>
             <a:ext cx="1419225" cy="1408176"/>
           </a:xfrm>
           <a:prstGeom prst="rect">
@@ -5811,19 +6756,31 @@
           <a:lstStyle/>
           <a:p>
             <a:pPr algn="ctr"/>
+            <a:endParaRPr lang="en-US" dirty="0" smtClean="0"/>
+          </a:p>
+          <a:p>
+            <a:pPr algn="ctr"/>
             <a:endParaRPr lang="en-US" dirty="0"/>
           </a:p>
-        </p:txBody>
-      </p:sp>
-      <p:sp>
-        <p:nvSpPr>
-          <p:cNvPr id="9" name="Rectangle 8"/>
+          <a:p>
+            <a:pPr algn="ctr"/>
+            <a:r>
+              <a:rPr lang="en-US" dirty="0" smtClean="0"/>
+              <a:t>Comfort</a:t>
+            </a:r>
+            <a:endParaRPr lang="en-US" dirty="0"/>
+          </a:p>
+        </p:txBody>
+      </p:sp>
+      <p:sp>
+        <p:nvSpPr>
+          <p:cNvPr id="10" name="Rectangle 9"/>
           <p:cNvSpPr/>
           <p:nvPr/>
         </p:nvSpPr>
         <p:spPr>
           <a:xfrm>
-            <a:off x="1238250" y="1106424"/>
+            <a:off x="3105150" y="1106424"/>
             <a:ext cx="1419225" cy="1408176"/>
           </a:xfrm>
           <a:prstGeom prst="rect">
@@ -5871,23 +6828,19 @@
           </a:p>
           <a:p>
             <a:pPr algn="ctr"/>
-            <a:r>
-              <a:rPr lang="en-US" dirty="0" smtClean="0"/>
-              <a:t>Heat &amp; Air</a:t>
-            </a:r>
             <a:endParaRPr lang="en-US" dirty="0"/>
           </a:p>
         </p:txBody>
       </p:sp>
       <p:sp>
         <p:nvSpPr>
-          <p:cNvPr id="10" name="Rectangle 9"/>
+          <p:cNvPr id="11" name="Rectangle 10"/>
           <p:cNvSpPr/>
           <p:nvPr/>
         </p:nvSpPr>
         <p:spPr>
           <a:xfrm>
-            <a:off x="3105150" y="1106424"/>
+            <a:off x="1238250" y="2859024"/>
             <a:ext cx="1419225" cy="1408176"/>
           </a:xfrm>
           <a:prstGeom prst="rect">
@@ -5931,27 +6884,27 @@
           </a:p>
           <a:p>
             <a:pPr algn="ctr"/>
+            <a:endParaRPr lang="en-US" dirty="0" smtClean="0"/>
+          </a:p>
+          <a:p>
+            <a:pPr algn="ctr"/>
+            <a:r>
+              <a:rPr lang="en-US" dirty="0" smtClean="0"/>
+              <a:t>Video</a:t>
+            </a:r>
             <a:endParaRPr lang="en-US" dirty="0"/>
           </a:p>
-          <a:p>
-            <a:pPr algn="ctr"/>
-            <a:r>
-              <a:rPr lang="en-US" dirty="0" smtClean="0"/>
-              <a:t>Seat Controls</a:t>
-            </a:r>
-            <a:endParaRPr lang="en-US" dirty="0"/>
-          </a:p>
-        </p:txBody>
-      </p:sp>
-      <p:sp>
-        <p:nvSpPr>
-          <p:cNvPr id="11" name="Rectangle 10"/>
+        </p:txBody>
+      </p:sp>
+      <p:sp>
+        <p:nvSpPr>
+          <p:cNvPr id="12" name="Rectangle 11"/>
           <p:cNvSpPr/>
           <p:nvPr/>
         </p:nvSpPr>
         <p:spPr>
           <a:xfrm>
-            <a:off x="1238250" y="2859024"/>
+            <a:off x="3105150" y="2859024"/>
             <a:ext cx="1419225" cy="1408176"/>
           </a:xfrm>
           <a:prstGeom prst="rect">
@@ -5995,13 +6948,13 @@
           </a:p>
           <a:p>
             <a:pPr algn="ctr"/>
-            <a:endParaRPr lang="en-US" dirty="0" smtClean="0"/>
+            <a:endParaRPr lang="en-US" dirty="0"/>
           </a:p>
           <a:p>
             <a:pPr algn="ctr"/>
             <a:r>
               <a:rPr lang="en-US" dirty="0" smtClean="0"/>
-              <a:t>Video</a:t>
+              <a:t>Games</a:t>
             </a:r>
             <a:endParaRPr lang="en-US" dirty="0"/>
           </a:p>
@@ -6009,13 +6962,13 @@
       </p:sp>
       <p:sp>
         <p:nvSpPr>
-          <p:cNvPr id="12" name="Rectangle 11"/>
+          <p:cNvPr id="13" name="Rectangle 12"/>
           <p:cNvSpPr/>
           <p:nvPr/>
         </p:nvSpPr>
         <p:spPr>
           <a:xfrm>
-            <a:off x="3105150" y="2859024"/>
+            <a:off x="1238250" y="4649724"/>
             <a:ext cx="1419225" cy="1408176"/>
           </a:xfrm>
           <a:prstGeom prst="rect">
@@ -6059,66 +7012,6 @@
           </a:p>
           <a:p>
             <a:pPr algn="ctr"/>
-            <a:endParaRPr lang="en-US" dirty="0"/>
-          </a:p>
-          <a:p>
-            <a:pPr algn="ctr"/>
-            <a:r>
-              <a:rPr lang="en-US" dirty="0" smtClean="0"/>
-              <a:t>Games</a:t>
-            </a:r>
-            <a:endParaRPr lang="en-US" dirty="0"/>
-          </a:p>
-        </p:txBody>
-      </p:sp>
-      <p:sp>
-        <p:nvSpPr>
-          <p:cNvPr id="13" name="Rectangle 12"/>
-          <p:cNvSpPr/>
-          <p:nvPr/>
-        </p:nvSpPr>
-        <p:spPr>
-          <a:xfrm>
-            <a:off x="1238250" y="4916424"/>
-            <a:ext cx="1419225" cy="1408176"/>
-          </a:xfrm>
-          <a:prstGeom prst="rect">
-            <a:avLst/>
-          </a:prstGeom>
-          <a:solidFill>
-            <a:srgbClr val="454545"/>
-          </a:solidFill>
-          <a:ln w="19050" cap="sq">
-            <a:noFill/>
-            <a:miter lim="800000"/>
-          </a:ln>
-        </p:spPr>
-        <p:style>
-          <a:lnRef idx="2">
-            <a:schemeClr val="accent1">
-              <a:shade val="50000"/>
-            </a:schemeClr>
-          </a:lnRef>
-          <a:fillRef idx="1">
-            <a:schemeClr val="accent1"/>
-          </a:fillRef>
-          <a:effectRef idx="0">
-            <a:schemeClr val="accent1"/>
-          </a:effectRef>
-          <a:fontRef idx="minor">
-            <a:schemeClr val="lt1"/>
-          </a:fontRef>
-        </p:style>
-        <p:txBody>
-          <a:bodyPr rot="0" spcFirstLastPara="0" vertOverflow="overflow" horzOverflow="overflow" vert="horz" wrap="square" lIns="91440" tIns="45720" rIns="91440" bIns="45720" numCol="1" spcCol="0" rtlCol="0" fromWordArt="0" anchor="ctr" anchorCtr="0" forceAA="0" compatLnSpc="1">
-            <a:prstTxWarp prst="textNoShape">
-              <a:avLst/>
-            </a:prstTxWarp>
-            <a:noAutofit/>
-          </a:bodyPr>
-          <a:lstStyle/>
-          <a:p>
-            <a:pPr algn="ctr"/>
             <a:r>
               <a:rPr lang="en-US" dirty="0" smtClean="0"/>
               <a:t>Browser</a:t>
@@ -6135,7 +7028,7 @@
         </p:nvSpPr>
         <p:spPr>
           <a:xfrm>
-            <a:off x="3105150" y="4916424"/>
+            <a:off x="3105150" y="4649724"/>
             <a:ext cx="1419225" cy="1408176"/>
           </a:xfrm>
           <a:prstGeom prst="rect">
@@ -6250,7 +7143,7 @@
       </p:pic>
       <p:pic>
         <p:nvPicPr>
-          <p:cNvPr id="4102" name="Picture 6" descr="C:\Users\student\AppData\Local\Microsoft\Windows\Temporary Internet Files\Content.IE5\JSC1GYNN\MC900151653[1].wmf"/>
+          <p:cNvPr id="4103" name="Picture 7" descr="C:\Users\student\AppData\Local\Microsoft\Windows\Temporary Internet Files\Content.IE5\JSC1GYNN\MC900440403[1].png"/>
           <p:cNvPicPr>
             <a:picLocks noChangeAspect="1" noChangeArrowheads="1"/>
           </p:cNvPicPr>
@@ -6265,8 +7158,8 @@
         </p:blipFill>
         <p:spPr bwMode="auto">
           <a:xfrm>
-            <a:off x="3505200" y="1219200"/>
-            <a:ext cx="578185" cy="612648"/>
+            <a:off x="5410200" y="1219200"/>
+            <a:ext cx="612648" cy="612648"/>
           </a:xfrm>
           <a:prstGeom prst="rect">
             <a:avLst/>
@@ -6276,7 +7169,7 @@
       </p:pic>
       <p:pic>
         <p:nvPicPr>
-          <p:cNvPr id="4103" name="Picture 7" descr="C:\Users\student\AppData\Local\Microsoft\Windows\Temporary Internet Files\Content.IE5\JSC1GYNN\MC900440403[1].png"/>
+          <p:cNvPr id="4104" name="Picture 8" descr="C:\Users\student\AppData\Local\Microsoft\Windows\Temporary Internet Files\Content.IE5\P05OJWTZ\MC900432653[1].png"/>
           <p:cNvPicPr>
             <a:picLocks noChangeAspect="1" noChangeArrowheads="1"/>
           </p:cNvPicPr>
@@ -6291,7 +7184,7 @@
         </p:blipFill>
         <p:spPr bwMode="auto">
           <a:xfrm>
-            <a:off x="5410200" y="1219200"/>
+            <a:off x="1600200" y="2895600"/>
             <a:ext cx="612648" cy="612648"/>
           </a:xfrm>
           <a:prstGeom prst="rect">
@@ -6302,7 +7195,1862 @@
       </p:pic>
       <p:pic>
         <p:nvPicPr>
-          <p:cNvPr id="4104" name="Picture 8" descr="C:\Users\student\AppData\Local\Microsoft\Windows\Temporary Internet Files\Content.IE5\P05OJWTZ\MC900432653[1].png"/>
+          <p:cNvPr id="4105" name="Picture 9" descr="C:\Program Files\Microsoft Office\MEDIA\CAGCAT10\j0293236.wmf"/>
+          <p:cNvPicPr>
+            <a:picLocks noChangeAspect="1" noChangeArrowheads="1"/>
+          </p:cNvPicPr>
+          <p:nvPr/>
+        </p:nvPicPr>
+        <p:blipFill>
+          <a:blip r:embed="rId6" cstate="print">
+            <a:biLevel thresh="50000"/>
+            <a:lum bright="100000"/>
+          </a:blip>
+          <a:srcRect/>
+          <a:stretch>
+            <a:fillRect/>
+          </a:stretch>
+        </p:blipFill>
+        <p:spPr bwMode="auto">
+          <a:xfrm>
+            <a:off x="7162800" y="1219200"/>
+            <a:ext cx="830446" cy="612648"/>
+          </a:xfrm>
+          <a:prstGeom prst="rect">
+            <a:avLst/>
+          </a:prstGeom>
+          <a:noFill/>
+        </p:spPr>
+      </p:pic>
+      <p:pic>
+        <p:nvPicPr>
+          <p:cNvPr id="4106" name="Picture 10" descr="C:\Users\student\AppData\Local\Microsoft\Windows\Temporary Internet Files\Content.IE5\XDKIQZBD\MC900431511[1].png"/>
+          <p:cNvPicPr>
+            <a:picLocks noChangeAspect="1" noChangeArrowheads="1"/>
+          </p:cNvPicPr>
+          <p:nvPr/>
+        </p:nvPicPr>
+        <p:blipFill>
+          <a:blip r:embed="rId7" cstate="print"/>
+          <a:srcRect/>
+          <a:stretch>
+            <a:fillRect/>
+          </a:stretch>
+        </p:blipFill>
+        <p:spPr bwMode="auto">
+          <a:xfrm>
+            <a:off x="3505200" y="2971800"/>
+            <a:ext cx="612648" cy="612648"/>
+          </a:xfrm>
+          <a:prstGeom prst="rect">
+            <a:avLst/>
+          </a:prstGeom>
+          <a:noFill/>
+        </p:spPr>
+      </p:pic>
+      <p:pic>
+        <p:nvPicPr>
+          <p:cNvPr id="1026" name="Picture 2" descr="C:\Users\student\AppData\Local\Microsoft\Windows\Temporary Internet Files\Content.IE5\P05OJWTZ\MC900048042[1].wmf"/>
+          <p:cNvPicPr>
+            <a:picLocks noChangeAspect="1" noChangeArrowheads="1"/>
+          </p:cNvPicPr>
+          <p:nvPr/>
+        </p:nvPicPr>
+        <p:blipFill>
+          <a:blip r:embed="rId8" cstate="print"/>
+          <a:srcRect/>
+          <a:stretch>
+            <a:fillRect/>
+          </a:stretch>
+        </p:blipFill>
+        <p:spPr bwMode="auto">
+          <a:xfrm>
+            <a:off x="5562600" y="2971800"/>
+            <a:ext cx="346219" cy="512064"/>
+          </a:xfrm>
+          <a:prstGeom prst="rect">
+            <a:avLst/>
+          </a:prstGeom>
+          <a:noFill/>
+        </p:spPr>
+      </p:pic>
+      <p:pic>
+        <p:nvPicPr>
+          <p:cNvPr id="1030" name="Picture 6" descr="C:\Users\student\AppData\Local\Microsoft\Windows\Temporary Internet Files\Content.IE5\P05OJWTZ\MC910216405[1].png"/>
+          <p:cNvPicPr>
+            <a:picLocks noChangeAspect="1" noChangeArrowheads="1"/>
+          </p:cNvPicPr>
+          <p:nvPr/>
+        </p:nvPicPr>
+        <p:blipFill>
+          <a:blip r:embed="rId9" cstate="print"/>
+          <a:srcRect/>
+          <a:stretch>
+            <a:fillRect/>
+          </a:stretch>
+        </p:blipFill>
+        <p:spPr bwMode="auto">
+          <a:xfrm>
+            <a:off x="1676400" y="4838700"/>
+            <a:ext cx="587783" cy="512064"/>
+          </a:xfrm>
+          <a:prstGeom prst="rect">
+            <a:avLst/>
+          </a:prstGeom>
+          <a:noFill/>
+        </p:spPr>
+      </p:pic>
+      <p:sp>
+        <p:nvSpPr>
+          <p:cNvPr id="26" name="Rectangle 25">
+            <a:hlinkClick r:id="rId10" action="ppaction://hlinksldjump"/>
+          </p:cNvPr>
+          <p:cNvSpPr/>
+          <p:nvPr/>
+        </p:nvSpPr>
+        <p:spPr>
+          <a:xfrm>
+            <a:off x="5029200" y="2859024"/>
+            <a:ext cx="1419225" cy="1408176"/>
+          </a:xfrm>
+          <a:prstGeom prst="rect">
+            <a:avLst/>
+          </a:prstGeom>
+          <a:solidFill>
+            <a:srgbClr val="454545"/>
+          </a:solidFill>
+          <a:ln w="19050" cap="sq">
+            <a:noFill/>
+            <a:miter lim="800000"/>
+          </a:ln>
+        </p:spPr>
+        <p:style>
+          <a:lnRef idx="2">
+            <a:schemeClr val="accent1">
+              <a:shade val="50000"/>
+            </a:schemeClr>
+          </a:lnRef>
+          <a:fillRef idx="1">
+            <a:schemeClr val="accent1"/>
+          </a:fillRef>
+          <a:effectRef idx="0">
+            <a:schemeClr val="accent1"/>
+          </a:effectRef>
+          <a:fontRef idx="minor">
+            <a:schemeClr val="lt1"/>
+          </a:fontRef>
+        </p:style>
+        <p:txBody>
+          <a:bodyPr rot="0" spcFirstLastPara="0" vertOverflow="overflow" horzOverflow="overflow" vert="horz" wrap="square" lIns="91440" tIns="45720" rIns="91440" bIns="45720" numCol="1" spcCol="0" rtlCol="0" fromWordArt="0" anchor="ctr" anchorCtr="0" forceAA="0" compatLnSpc="1">
+            <a:prstTxWarp prst="textNoShape">
+              <a:avLst/>
+            </a:prstTxWarp>
+            <a:noAutofit/>
+          </a:bodyPr>
+          <a:lstStyle/>
+          <a:p>
+            <a:pPr algn="ctr"/>
+            <a:endParaRPr lang="en-US" dirty="0" smtClean="0"/>
+          </a:p>
+          <a:p>
+            <a:pPr algn="ctr"/>
+            <a:endParaRPr lang="en-US" dirty="0"/>
+          </a:p>
+          <a:p>
+            <a:pPr algn="ctr"/>
+            <a:r>
+              <a:rPr lang="en-US" dirty="0" smtClean="0"/>
+              <a:t>Doors and Windows</a:t>
+            </a:r>
+            <a:endParaRPr lang="en-US" dirty="0"/>
+          </a:p>
+        </p:txBody>
+      </p:sp>
+      <p:pic>
+        <p:nvPicPr>
+          <p:cNvPr id="27" name="Picture 5" descr="C:\Users\student\AppData\Local\Microsoft\Windows\Temporary Internet Files\Content.IE5\ZXEC6SMV\MC900433802[1].png"/>
+          <p:cNvPicPr>
+            <a:picLocks noChangeAspect="1" noChangeArrowheads="1"/>
+          </p:cNvPicPr>
+          <p:nvPr/>
+        </p:nvPicPr>
+        <p:blipFill>
+          <a:blip r:embed="rId11" cstate="print"/>
+          <a:srcRect/>
+          <a:stretch>
+            <a:fillRect/>
+          </a:stretch>
+        </p:blipFill>
+        <p:spPr bwMode="auto">
+          <a:xfrm>
+            <a:off x="5432488" y="2932176"/>
+            <a:ext cx="612648" cy="612648"/>
+          </a:xfrm>
+          <a:prstGeom prst="rect">
+            <a:avLst/>
+          </a:prstGeom>
+          <a:noFill/>
+        </p:spPr>
+      </p:pic>
+    </p:spTree>
+  </p:cSld>
+  <p:clrMapOvr>
+    <a:masterClrMapping/>
+  </p:clrMapOvr>
+  <p:timing>
+    <p:tnLst>
+      <p:par>
+        <p:cTn id="1" dur="indefinite" restart="never" nodeType="tmRoot"/>
+      </p:par>
+    </p:tnLst>
+  </p:timing>
+</p:sld>
+</file>
+
+<file path=ppt/slides/slide5.xml><?xml version="1.0" encoding="utf-8"?>
+<p:sld xmlns:a="http://schemas.openxmlformats.org/drawingml/2006/main" xmlns:r="http://schemas.openxmlformats.org/officeDocument/2006/relationships" xmlns:p="http://schemas.openxmlformats.org/presentationml/2006/main">
+  <p:cSld>
+    <p:spTree>
+      <p:nvGrpSpPr>
+        <p:cNvPr id="1" name=""/>
+        <p:cNvGrpSpPr/>
+        <p:nvPr/>
+      </p:nvGrpSpPr>
+      <p:grpSpPr>
+        <a:xfrm>
+          <a:off x="0" y="0"/>
+          <a:ext cx="0" cy="0"/>
+          <a:chOff x="0" y="0"/>
+          <a:chExt cx="0" cy="0"/>
+        </a:xfrm>
+      </p:grpSpPr>
+      <p:sp>
+        <p:nvSpPr>
+          <p:cNvPr id="23" name="TextBox 22"/>
+          <p:cNvSpPr txBox="1"/>
+          <p:nvPr/>
+        </p:nvSpPr>
+        <p:spPr>
+          <a:xfrm>
+            <a:off x="758599" y="144959"/>
+            <a:ext cx="4423001" cy="769441"/>
+          </a:xfrm>
+          <a:prstGeom prst="rect">
+            <a:avLst/>
+          </a:prstGeom>
+          <a:noFill/>
+        </p:spPr>
+        <p:txBody>
+          <a:bodyPr wrap="square" rtlCol="0">
+            <a:spAutoFit/>
+          </a:bodyPr>
+          <a:lstStyle/>
+          <a:p>
+            <a:r>
+              <a:rPr lang="en-US" sz="4400" dirty="0" smtClean="0">
+                <a:latin typeface="Segoe UI Light" pitchFamily="34" charset="0"/>
+                <a:cs typeface="Segoe UI Light" pitchFamily="34" charset="0"/>
+              </a:rPr>
+              <a:t>Navigation</a:t>
+            </a:r>
+            <a:endParaRPr lang="en-US" sz="4400" dirty="0">
+              <a:latin typeface="Segoe UI Light" pitchFamily="34" charset="0"/>
+              <a:cs typeface="Segoe UI Light" pitchFamily="34" charset="0"/>
+            </a:endParaRPr>
+          </a:p>
+        </p:txBody>
+      </p:sp>
+      <p:pic>
+        <p:nvPicPr>
+          <p:cNvPr id="3076" name="Picture 4" descr="C:\Users\student\AppData\Local\Microsoft\Windows\Temporary Internet Files\Content.IE5\JSC1GYNN\MP910216311[1].png"/>
+          <p:cNvPicPr>
+            <a:picLocks noChangeAspect="1" noChangeArrowheads="1"/>
+          </p:cNvPicPr>
+          <p:nvPr/>
+        </p:nvPicPr>
+        <p:blipFill>
+          <a:blip r:embed="rId3" cstate="print"/>
+          <a:srcRect/>
+          <a:stretch>
+            <a:fillRect/>
+          </a:stretch>
+        </p:blipFill>
+        <p:spPr bwMode="auto">
+          <a:xfrm>
+            <a:off x="7010400" y="5105400"/>
+            <a:ext cx="1524000" cy="1524000"/>
+          </a:xfrm>
+          <a:prstGeom prst="rect">
+            <a:avLst/>
+          </a:prstGeom>
+          <a:noFill/>
+        </p:spPr>
+      </p:pic>
+      <p:pic>
+        <p:nvPicPr>
+          <p:cNvPr id="3074" name="Picture 2" descr="C:\Users\student\AppData\Local\Microsoft\Windows\Temporary Internet Files\Content.IE5\JSC1GYNN\MC900432671[1].png">
+            <a:hlinkClick r:id="rId4" action="ppaction://hlinksldjump"/>
+          </p:cNvPr>
+          <p:cNvPicPr>
+            <a:picLocks noChangeAspect="1" noChangeArrowheads="1"/>
+          </p:cNvPicPr>
+          <p:nvPr/>
+        </p:nvPicPr>
+        <p:blipFill>
+          <a:blip r:embed="rId5" cstate="print"/>
+          <a:srcRect/>
+          <a:stretch>
+            <a:fillRect/>
+          </a:stretch>
+        </p:blipFill>
+        <p:spPr bwMode="auto">
+          <a:xfrm>
+            <a:off x="0" y="228600"/>
+            <a:ext cx="685800" cy="685800"/>
+          </a:xfrm>
+          <a:prstGeom prst="rect">
+            <a:avLst/>
+          </a:prstGeom>
+          <a:noFill/>
+        </p:spPr>
+      </p:pic>
+      <p:grpSp>
+        <p:nvGrpSpPr>
+          <p:cNvPr id="31" name="Group 30"/>
+          <p:cNvGrpSpPr/>
+          <p:nvPr/>
+        </p:nvGrpSpPr>
+        <p:grpSpPr>
+          <a:xfrm>
+            <a:off x="990600" y="1295400"/>
+            <a:ext cx="6019800" cy="533400"/>
+            <a:chOff x="990600" y="1676400"/>
+            <a:chExt cx="6019800" cy="533400"/>
+          </a:xfrm>
+        </p:grpSpPr>
+        <p:sp>
+          <p:nvSpPr>
+            <p:cNvPr id="29" name="Rounded Rectangle 28"/>
+            <p:cNvSpPr/>
+            <p:nvPr/>
+          </p:nvSpPr>
+          <p:spPr>
+            <a:xfrm>
+              <a:off x="1905000" y="1676400"/>
+              <a:ext cx="5105400" cy="533400"/>
+            </a:xfrm>
+            <a:prstGeom prst="roundRect">
+              <a:avLst/>
+            </a:prstGeom>
+          </p:spPr>
+          <p:style>
+            <a:lnRef idx="2">
+              <a:schemeClr val="accent1">
+                <a:shade val="50000"/>
+              </a:schemeClr>
+            </a:lnRef>
+            <a:fillRef idx="1">
+              <a:schemeClr val="accent1"/>
+            </a:fillRef>
+            <a:effectRef idx="0">
+              <a:schemeClr val="accent1"/>
+            </a:effectRef>
+            <a:fontRef idx="minor">
+              <a:schemeClr val="lt1"/>
+            </a:fontRef>
+          </p:style>
+          <p:txBody>
+            <a:bodyPr rtlCol="0" anchor="ctr"/>
+            <a:lstStyle/>
+            <a:p>
+              <a:pPr algn="ctr"/>
+              <a:endParaRPr lang="en-US"/>
+            </a:p>
+          </p:txBody>
+        </p:sp>
+        <p:sp>
+          <p:nvSpPr>
+            <p:cNvPr id="30" name="TextBox 29"/>
+            <p:cNvSpPr txBox="1"/>
+            <p:nvPr/>
+          </p:nvSpPr>
+          <p:spPr>
+            <a:xfrm>
+              <a:off x="990600" y="1758434"/>
+              <a:ext cx="812851" cy="369332"/>
+            </a:xfrm>
+            <a:prstGeom prst="rect">
+              <a:avLst/>
+            </a:prstGeom>
+            <a:noFill/>
+          </p:spPr>
+          <p:txBody>
+            <a:bodyPr wrap="none" rtlCol="0" anchor="ctr">
+              <a:spAutoFit/>
+            </a:bodyPr>
+            <a:lstStyle/>
+            <a:p>
+              <a:r>
+                <a:rPr lang="en-US" dirty="0" smtClean="0"/>
+                <a:t>Search</a:t>
+              </a:r>
+              <a:endParaRPr lang="en-US" dirty="0"/>
+            </a:p>
+          </p:txBody>
+        </p:sp>
+      </p:grpSp>
+      <p:grpSp>
+        <p:nvGrpSpPr>
+          <p:cNvPr id="36" name="Group 35"/>
+          <p:cNvGrpSpPr/>
+          <p:nvPr/>
+        </p:nvGrpSpPr>
+        <p:grpSpPr>
+          <a:xfrm>
+            <a:off x="2667000" y="1981200"/>
+            <a:ext cx="3505200" cy="3276600"/>
+            <a:chOff x="2209800" y="2057400"/>
+            <a:chExt cx="3505200" cy="3276600"/>
+          </a:xfrm>
+        </p:grpSpPr>
+        <p:sp>
+          <p:nvSpPr>
+            <p:cNvPr id="34" name="Rectangle 33"/>
+            <p:cNvSpPr/>
+            <p:nvPr/>
+          </p:nvSpPr>
+          <p:spPr>
+            <a:xfrm>
+              <a:off x="2209800" y="2057400"/>
+              <a:ext cx="3505200" cy="3276600"/>
+            </a:xfrm>
+            <a:prstGeom prst="rect">
+              <a:avLst/>
+            </a:prstGeom>
+          </p:spPr>
+          <p:style>
+            <a:lnRef idx="2">
+              <a:schemeClr val="accent1">
+                <a:shade val="50000"/>
+              </a:schemeClr>
+            </a:lnRef>
+            <a:fillRef idx="1">
+              <a:schemeClr val="accent1"/>
+            </a:fillRef>
+            <a:effectRef idx="0">
+              <a:schemeClr val="accent1"/>
+            </a:effectRef>
+            <a:fontRef idx="minor">
+              <a:schemeClr val="lt1"/>
+            </a:fontRef>
+          </p:style>
+          <p:txBody>
+            <a:bodyPr rtlCol="0" anchor="ctr"/>
+            <a:lstStyle/>
+            <a:p>
+              <a:pPr algn="ctr"/>
+              <a:endParaRPr lang="en-US"/>
+            </a:p>
+          </p:txBody>
+        </p:sp>
+        <p:pic>
+          <p:nvPicPr>
+            <p:cNvPr id="3075" name="Picture 3"/>
+            <p:cNvPicPr>
+              <a:picLocks noChangeAspect="1" noChangeArrowheads="1"/>
+            </p:cNvPicPr>
+            <p:nvPr/>
+          </p:nvPicPr>
+          <p:blipFill>
+            <a:blip r:embed="rId6" cstate="print"/>
+            <a:srcRect/>
+            <a:stretch>
+              <a:fillRect/>
+            </a:stretch>
+          </p:blipFill>
+          <p:spPr bwMode="auto">
+            <a:xfrm>
+              <a:off x="2298825" y="2133600"/>
+              <a:ext cx="3327150" cy="3124200"/>
+            </a:xfrm>
+            <a:prstGeom prst="rect">
+              <a:avLst/>
+            </a:prstGeom>
+            <a:noFill/>
+            <a:ln w="9525">
+              <a:noFill/>
+              <a:miter lim="800000"/>
+              <a:headEnd/>
+              <a:tailEnd/>
+            </a:ln>
+          </p:spPr>
+        </p:pic>
+      </p:grpSp>
+      <p:sp>
+        <p:nvSpPr>
+          <p:cNvPr id="37" name="TextBox 36"/>
+          <p:cNvSpPr txBox="1"/>
+          <p:nvPr/>
+        </p:nvSpPr>
+        <p:spPr>
+          <a:xfrm>
+            <a:off x="5257800" y="5257800"/>
+            <a:ext cx="1219200" cy="369332"/>
+          </a:xfrm>
+          <a:prstGeom prst="rect">
+            <a:avLst/>
+          </a:prstGeom>
+          <a:noFill/>
+        </p:spPr>
+        <p:txBody>
+          <a:bodyPr wrap="square" rtlCol="0">
+            <a:spAutoFit/>
+          </a:bodyPr>
+          <a:lstStyle/>
+          <a:p>
+            <a:r>
+              <a:rPr lang="en-US" dirty="0" smtClean="0">
+                <a:latin typeface="Segoe UI Light" pitchFamily="34" charset="0"/>
+              </a:rPr>
+              <a:t>ETA: 1:27</a:t>
+            </a:r>
+            <a:endParaRPr lang="en-US" dirty="0">
+              <a:latin typeface="Segoe UI Light" pitchFamily="34" charset="0"/>
+            </a:endParaRPr>
+          </a:p>
+        </p:txBody>
+      </p:sp>
+      <p:sp>
+        <p:nvSpPr>
+          <p:cNvPr id="38" name="TextBox 37"/>
+          <p:cNvSpPr txBox="1"/>
+          <p:nvPr/>
+        </p:nvSpPr>
+        <p:spPr>
+          <a:xfrm>
+            <a:off x="4114800" y="5257800"/>
+            <a:ext cx="1295400" cy="381000"/>
+          </a:xfrm>
+          <a:prstGeom prst="rect">
+            <a:avLst/>
+          </a:prstGeom>
+          <a:noFill/>
+        </p:spPr>
+        <p:txBody>
+          <a:bodyPr wrap="square" rtlCol="0">
+            <a:spAutoFit/>
+          </a:bodyPr>
+          <a:lstStyle/>
+          <a:p>
+            <a:r>
+              <a:rPr lang="en-US" dirty="0" smtClean="0">
+                <a:latin typeface="Segoe UI Light" pitchFamily="34" charset="0"/>
+              </a:rPr>
+              <a:t>Time: 1:02</a:t>
+            </a:r>
+            <a:endParaRPr lang="en-US" dirty="0">
+              <a:latin typeface="Segoe UI Light" pitchFamily="34" charset="0"/>
+            </a:endParaRPr>
+          </a:p>
+        </p:txBody>
+      </p:sp>
+      <p:sp>
+        <p:nvSpPr>
+          <p:cNvPr id="39" name="TextBox 38"/>
+          <p:cNvSpPr txBox="1"/>
+          <p:nvPr/>
+        </p:nvSpPr>
+        <p:spPr>
+          <a:xfrm>
+            <a:off x="7162800" y="1295400"/>
+            <a:ext cx="838200" cy="646331"/>
+          </a:xfrm>
+          <a:prstGeom prst="rect">
+            <a:avLst/>
+          </a:prstGeom>
+          <a:noFill/>
+        </p:spPr>
+        <p:txBody>
+          <a:bodyPr wrap="square" rtlCol="0">
+            <a:spAutoFit/>
+          </a:bodyPr>
+          <a:lstStyle/>
+          <a:p>
+            <a:r>
+              <a:rPr lang="en-US" dirty="0" smtClean="0"/>
+              <a:t>Enter button</a:t>
+            </a:r>
+            <a:endParaRPr lang="en-US" dirty="0"/>
+          </a:p>
+        </p:txBody>
+      </p:sp>
+    </p:spTree>
+  </p:cSld>
+  <p:clrMapOvr>
+    <a:masterClrMapping/>
+  </p:clrMapOvr>
+  <p:timing>
+    <p:tnLst>
+      <p:par>
+        <p:cTn id="1" dur="indefinite" restart="never" nodeType="tmRoot"/>
+      </p:par>
+    </p:tnLst>
+  </p:timing>
+</p:sld>
+</file>
+
+<file path=ppt/slides/slide6.xml><?xml version="1.0" encoding="utf-8"?>
+<p:sld xmlns:a="http://schemas.openxmlformats.org/drawingml/2006/main" xmlns:r="http://schemas.openxmlformats.org/officeDocument/2006/relationships" xmlns:p="http://schemas.openxmlformats.org/presentationml/2006/main">
+  <p:cSld>
+    <p:spTree>
+      <p:nvGrpSpPr>
+        <p:cNvPr id="1" name=""/>
+        <p:cNvGrpSpPr/>
+        <p:nvPr/>
+      </p:nvGrpSpPr>
+      <p:grpSpPr>
+        <a:xfrm>
+          <a:off x="0" y="0"/>
+          <a:ext cx="0" cy="0"/>
+          <a:chOff x="0" y="0"/>
+          <a:chExt cx="0" cy="0"/>
+        </a:xfrm>
+      </p:grpSpPr>
+      <p:sp>
+        <p:nvSpPr>
+          <p:cNvPr id="23" name="TextBox 22"/>
+          <p:cNvSpPr txBox="1"/>
+          <p:nvPr/>
+        </p:nvSpPr>
+        <p:spPr>
+          <a:xfrm>
+            <a:off x="758599" y="144959"/>
+            <a:ext cx="4423001" cy="769441"/>
+          </a:xfrm>
+          <a:prstGeom prst="rect">
+            <a:avLst/>
+          </a:prstGeom>
+          <a:noFill/>
+        </p:spPr>
+        <p:txBody>
+          <a:bodyPr wrap="square" rtlCol="0">
+            <a:spAutoFit/>
+          </a:bodyPr>
+          <a:lstStyle/>
+          <a:p>
+            <a:r>
+              <a:rPr lang="en-US" sz="4400" dirty="0" smtClean="0">
+                <a:latin typeface="Segoe UI Light" pitchFamily="34" charset="0"/>
+                <a:cs typeface="Segoe UI Light" pitchFamily="34" charset="0"/>
+              </a:rPr>
+              <a:t>Doors &amp; Windows</a:t>
+            </a:r>
+            <a:endParaRPr lang="en-US" sz="4400" dirty="0">
+              <a:latin typeface="Segoe UI Light" pitchFamily="34" charset="0"/>
+              <a:cs typeface="Segoe UI Light" pitchFamily="34" charset="0"/>
+            </a:endParaRPr>
+          </a:p>
+        </p:txBody>
+      </p:sp>
+      <p:sp>
+        <p:nvSpPr>
+          <p:cNvPr id="16" name="Rectangle 15"/>
+          <p:cNvSpPr/>
+          <p:nvPr/>
+        </p:nvSpPr>
+        <p:spPr>
+          <a:xfrm>
+            <a:off x="1828800" y="1447800"/>
+            <a:ext cx="1828800" cy="1676400"/>
+          </a:xfrm>
+          <a:prstGeom prst="rect">
+            <a:avLst/>
+          </a:prstGeom>
+        </p:spPr>
+        <p:style>
+          <a:lnRef idx="2">
+            <a:schemeClr val="accent1">
+              <a:shade val="50000"/>
+            </a:schemeClr>
+          </a:lnRef>
+          <a:fillRef idx="1">
+            <a:schemeClr val="accent1"/>
+          </a:fillRef>
+          <a:effectRef idx="0">
+            <a:schemeClr val="accent1"/>
+          </a:effectRef>
+          <a:fontRef idx="minor">
+            <a:schemeClr val="lt1"/>
+          </a:fontRef>
+        </p:style>
+        <p:txBody>
+          <a:bodyPr rtlCol="0" anchor="ctr"/>
+          <a:lstStyle/>
+          <a:p>
+            <a:pPr algn="ctr"/>
+            <a:endParaRPr lang="en-US"/>
+          </a:p>
+        </p:txBody>
+      </p:sp>
+      <p:sp>
+        <p:nvSpPr>
+          <p:cNvPr id="20" name="Rectangle 19"/>
+          <p:cNvSpPr/>
+          <p:nvPr/>
+        </p:nvSpPr>
+        <p:spPr>
+          <a:xfrm>
+            <a:off x="838200" y="1447800"/>
+            <a:ext cx="838200" cy="1676400"/>
+          </a:xfrm>
+          <a:prstGeom prst="rect">
+            <a:avLst/>
+          </a:prstGeom>
+        </p:spPr>
+        <p:style>
+          <a:lnRef idx="2">
+            <a:schemeClr val="accent1">
+              <a:shade val="50000"/>
+            </a:schemeClr>
+          </a:lnRef>
+          <a:fillRef idx="1">
+            <a:schemeClr val="accent1"/>
+          </a:fillRef>
+          <a:effectRef idx="0">
+            <a:schemeClr val="accent1"/>
+          </a:effectRef>
+          <a:fontRef idx="minor">
+            <a:schemeClr val="lt1"/>
+          </a:fontRef>
+        </p:style>
+        <p:txBody>
+          <a:bodyPr rtlCol="0" anchor="ctr"/>
+          <a:lstStyle/>
+          <a:p>
+            <a:pPr algn="ctr"/>
+            <a:endParaRPr lang="en-US"/>
+          </a:p>
+        </p:txBody>
+      </p:sp>
+      <p:sp>
+        <p:nvSpPr>
+          <p:cNvPr id="21" name="Rectangle 20"/>
+          <p:cNvSpPr/>
+          <p:nvPr/>
+        </p:nvSpPr>
+        <p:spPr>
+          <a:xfrm>
+            <a:off x="1828800" y="3809999"/>
+            <a:ext cx="1828800" cy="1676400"/>
+          </a:xfrm>
+          <a:prstGeom prst="rect">
+            <a:avLst/>
+          </a:prstGeom>
+        </p:spPr>
+        <p:style>
+          <a:lnRef idx="2">
+            <a:schemeClr val="accent1">
+              <a:shade val="50000"/>
+            </a:schemeClr>
+          </a:lnRef>
+          <a:fillRef idx="1">
+            <a:schemeClr val="accent1"/>
+          </a:fillRef>
+          <a:effectRef idx="0">
+            <a:schemeClr val="accent1"/>
+          </a:effectRef>
+          <a:fontRef idx="minor">
+            <a:schemeClr val="lt1"/>
+          </a:fontRef>
+        </p:style>
+        <p:txBody>
+          <a:bodyPr rtlCol="0" anchor="ctr"/>
+          <a:lstStyle/>
+          <a:p>
+            <a:pPr algn="ctr"/>
+            <a:endParaRPr lang="en-US"/>
+          </a:p>
+        </p:txBody>
+      </p:sp>
+      <p:sp>
+        <p:nvSpPr>
+          <p:cNvPr id="22" name="Rectangle 21"/>
+          <p:cNvSpPr/>
+          <p:nvPr/>
+        </p:nvSpPr>
+        <p:spPr>
+          <a:xfrm>
+            <a:off x="838200" y="3809999"/>
+            <a:ext cx="838200" cy="1676400"/>
+          </a:xfrm>
+          <a:prstGeom prst="rect">
+            <a:avLst/>
+          </a:prstGeom>
+        </p:spPr>
+        <p:style>
+          <a:lnRef idx="2">
+            <a:schemeClr val="accent1">
+              <a:shade val="50000"/>
+            </a:schemeClr>
+          </a:lnRef>
+          <a:fillRef idx="1">
+            <a:schemeClr val="accent1"/>
+          </a:fillRef>
+          <a:effectRef idx="0">
+            <a:schemeClr val="accent1"/>
+          </a:effectRef>
+          <a:fontRef idx="minor">
+            <a:schemeClr val="lt1"/>
+          </a:fontRef>
+        </p:style>
+        <p:txBody>
+          <a:bodyPr rtlCol="0" anchor="ctr"/>
+          <a:lstStyle/>
+          <a:p>
+            <a:pPr algn="ctr"/>
+            <a:endParaRPr lang="en-US"/>
+          </a:p>
+        </p:txBody>
+      </p:sp>
+      <p:sp>
+        <p:nvSpPr>
+          <p:cNvPr id="24" name="Rectangle 23"/>
+          <p:cNvSpPr/>
+          <p:nvPr/>
+        </p:nvSpPr>
+        <p:spPr>
+          <a:xfrm>
+            <a:off x="3962400" y="3809999"/>
+            <a:ext cx="1828800" cy="1676400"/>
+          </a:xfrm>
+          <a:prstGeom prst="rect">
+            <a:avLst/>
+          </a:prstGeom>
+        </p:spPr>
+        <p:style>
+          <a:lnRef idx="2">
+            <a:schemeClr val="accent1">
+              <a:shade val="50000"/>
+            </a:schemeClr>
+          </a:lnRef>
+          <a:fillRef idx="1">
+            <a:schemeClr val="accent1"/>
+          </a:fillRef>
+          <a:effectRef idx="0">
+            <a:schemeClr val="accent1"/>
+          </a:effectRef>
+          <a:fontRef idx="minor">
+            <a:schemeClr val="lt1"/>
+          </a:fontRef>
+        </p:style>
+        <p:txBody>
+          <a:bodyPr rtlCol="0" anchor="ctr"/>
+          <a:lstStyle/>
+          <a:p>
+            <a:pPr algn="ctr"/>
+            <a:endParaRPr lang="en-US"/>
+          </a:p>
+        </p:txBody>
+      </p:sp>
+      <p:sp>
+        <p:nvSpPr>
+          <p:cNvPr id="25" name="Rectangle 24"/>
+          <p:cNvSpPr/>
+          <p:nvPr/>
+        </p:nvSpPr>
+        <p:spPr>
+          <a:xfrm>
+            <a:off x="5943600" y="3809999"/>
+            <a:ext cx="838200" cy="1676400"/>
+          </a:xfrm>
+          <a:prstGeom prst="rect">
+            <a:avLst/>
+          </a:prstGeom>
+        </p:spPr>
+        <p:style>
+          <a:lnRef idx="2">
+            <a:schemeClr val="accent1">
+              <a:shade val="50000"/>
+            </a:schemeClr>
+          </a:lnRef>
+          <a:fillRef idx="1">
+            <a:schemeClr val="accent1"/>
+          </a:fillRef>
+          <a:effectRef idx="0">
+            <a:schemeClr val="accent1"/>
+          </a:effectRef>
+          <a:fontRef idx="minor">
+            <a:schemeClr val="lt1"/>
+          </a:fontRef>
+        </p:style>
+        <p:txBody>
+          <a:bodyPr rtlCol="0" anchor="ctr"/>
+          <a:lstStyle/>
+          <a:p>
+            <a:pPr algn="ctr"/>
+            <a:endParaRPr lang="en-US"/>
+          </a:p>
+        </p:txBody>
+      </p:sp>
+      <p:sp>
+        <p:nvSpPr>
+          <p:cNvPr id="26" name="Rectangle 25"/>
+          <p:cNvSpPr/>
+          <p:nvPr/>
+        </p:nvSpPr>
+        <p:spPr>
+          <a:xfrm>
+            <a:off x="3962400" y="1447800"/>
+            <a:ext cx="1828800" cy="1676400"/>
+          </a:xfrm>
+          <a:prstGeom prst="rect">
+            <a:avLst/>
+          </a:prstGeom>
+        </p:spPr>
+        <p:style>
+          <a:lnRef idx="2">
+            <a:schemeClr val="accent1">
+              <a:shade val="50000"/>
+            </a:schemeClr>
+          </a:lnRef>
+          <a:fillRef idx="1">
+            <a:schemeClr val="accent1"/>
+          </a:fillRef>
+          <a:effectRef idx="0">
+            <a:schemeClr val="accent1"/>
+          </a:effectRef>
+          <a:fontRef idx="minor">
+            <a:schemeClr val="lt1"/>
+          </a:fontRef>
+        </p:style>
+        <p:txBody>
+          <a:bodyPr rtlCol="0" anchor="ctr"/>
+          <a:lstStyle/>
+          <a:p>
+            <a:pPr algn="ctr"/>
+            <a:endParaRPr lang="en-US"/>
+          </a:p>
+        </p:txBody>
+      </p:sp>
+      <p:sp>
+        <p:nvSpPr>
+          <p:cNvPr id="27" name="Rectangle 26"/>
+          <p:cNvSpPr/>
+          <p:nvPr/>
+        </p:nvSpPr>
+        <p:spPr>
+          <a:xfrm>
+            <a:off x="5943600" y="1447800"/>
+            <a:ext cx="838200" cy="1676400"/>
+          </a:xfrm>
+          <a:prstGeom prst="rect">
+            <a:avLst/>
+          </a:prstGeom>
+        </p:spPr>
+        <p:style>
+          <a:lnRef idx="2">
+            <a:schemeClr val="accent1">
+              <a:shade val="50000"/>
+            </a:schemeClr>
+          </a:lnRef>
+          <a:fillRef idx="1">
+            <a:schemeClr val="accent1"/>
+          </a:fillRef>
+          <a:effectRef idx="0">
+            <a:schemeClr val="accent1"/>
+          </a:effectRef>
+          <a:fontRef idx="minor">
+            <a:schemeClr val="lt1"/>
+          </a:fontRef>
+        </p:style>
+        <p:txBody>
+          <a:bodyPr rtlCol="0" anchor="ctr"/>
+          <a:lstStyle/>
+          <a:p>
+            <a:pPr algn="ctr"/>
+            <a:endParaRPr lang="en-US"/>
+          </a:p>
+        </p:txBody>
+      </p:sp>
+      <p:sp>
+        <p:nvSpPr>
+          <p:cNvPr id="33" name="Up Arrow 32"/>
+          <p:cNvSpPr/>
+          <p:nvPr/>
+        </p:nvSpPr>
+        <p:spPr>
+          <a:xfrm>
+            <a:off x="1066800" y="2057400"/>
+            <a:ext cx="381000" cy="381000"/>
+          </a:xfrm>
+          <a:prstGeom prst="upArrow">
+            <a:avLst/>
+          </a:prstGeom>
+        </p:spPr>
+        <p:style>
+          <a:lnRef idx="2">
+            <a:schemeClr val="dk1">
+              <a:shade val="50000"/>
+            </a:schemeClr>
+          </a:lnRef>
+          <a:fillRef idx="1">
+            <a:schemeClr val="dk1"/>
+          </a:fillRef>
+          <a:effectRef idx="0">
+            <a:schemeClr val="dk1"/>
+          </a:effectRef>
+          <a:fontRef idx="minor">
+            <a:schemeClr val="lt1"/>
+          </a:fontRef>
+        </p:style>
+        <p:txBody>
+          <a:bodyPr rtlCol="0" anchor="ctr"/>
+          <a:lstStyle/>
+          <a:p>
+            <a:pPr algn="ctr"/>
+            <a:endParaRPr lang="en-US" b="1">
+              <a:ln w="12700">
+                <a:solidFill>
+                  <a:schemeClr val="tx2">
+                    <a:satMod val="155000"/>
+                  </a:schemeClr>
+                </a:solidFill>
+                <a:prstDash val="solid"/>
+              </a:ln>
+              <a:solidFill>
+                <a:schemeClr val="bg2">
+                  <a:tint val="85000"/>
+                  <a:satMod val="155000"/>
+                </a:schemeClr>
+              </a:solidFill>
+              <a:effectLst>
+                <a:outerShdw blurRad="41275" dist="20320" dir="1800000" algn="tl" rotWithShape="0">
+                  <a:srgbClr val="000000">
+                    <a:alpha val="40000"/>
+                  </a:srgbClr>
+                </a:outerShdw>
+              </a:effectLst>
+            </a:endParaRPr>
+          </a:p>
+        </p:txBody>
+      </p:sp>
+      <p:sp>
+        <p:nvSpPr>
+          <p:cNvPr id="35" name="Up Arrow 34"/>
+          <p:cNvSpPr/>
+          <p:nvPr/>
+        </p:nvSpPr>
+        <p:spPr>
+          <a:xfrm rot="10800000">
+            <a:off x="1066800" y="2590800"/>
+            <a:ext cx="381000" cy="381000"/>
+          </a:xfrm>
+          <a:prstGeom prst="upArrow">
+            <a:avLst/>
+          </a:prstGeom>
+        </p:spPr>
+        <p:style>
+          <a:lnRef idx="2">
+            <a:schemeClr val="dk1">
+              <a:shade val="50000"/>
+            </a:schemeClr>
+          </a:lnRef>
+          <a:fillRef idx="1">
+            <a:schemeClr val="dk1"/>
+          </a:fillRef>
+          <a:effectRef idx="0">
+            <a:schemeClr val="dk1"/>
+          </a:effectRef>
+          <a:fontRef idx="minor">
+            <a:schemeClr val="lt1"/>
+          </a:fontRef>
+        </p:style>
+        <p:txBody>
+          <a:bodyPr rtlCol="0" anchor="ctr"/>
+          <a:lstStyle/>
+          <a:p>
+            <a:pPr algn="ctr"/>
+            <a:endParaRPr lang="en-US" b="1">
+              <a:ln w="12700">
+                <a:solidFill>
+                  <a:schemeClr val="tx2">
+                    <a:satMod val="155000"/>
+                  </a:schemeClr>
+                </a:solidFill>
+                <a:prstDash val="solid"/>
+              </a:ln>
+              <a:solidFill>
+                <a:schemeClr val="bg2">
+                  <a:tint val="85000"/>
+                  <a:satMod val="155000"/>
+                </a:schemeClr>
+              </a:solidFill>
+              <a:effectLst>
+                <a:outerShdw blurRad="41275" dist="20320" dir="1800000" algn="tl" rotWithShape="0">
+                  <a:srgbClr val="000000">
+                    <a:alpha val="40000"/>
+                  </a:srgbClr>
+                </a:outerShdw>
+              </a:effectLst>
+            </a:endParaRPr>
+          </a:p>
+        </p:txBody>
+      </p:sp>
+      <p:sp>
+        <p:nvSpPr>
+          <p:cNvPr id="36" name="Oval 35"/>
+          <p:cNvSpPr/>
+          <p:nvPr/>
+        </p:nvSpPr>
+        <p:spPr>
+          <a:xfrm>
+            <a:off x="1066800" y="1600200"/>
+            <a:ext cx="381000" cy="381000"/>
+          </a:xfrm>
+          <a:prstGeom prst="ellipse">
+            <a:avLst/>
+          </a:prstGeom>
+        </p:spPr>
+        <p:style>
+          <a:lnRef idx="2">
+            <a:schemeClr val="dk1">
+              <a:shade val="50000"/>
+            </a:schemeClr>
+          </a:lnRef>
+          <a:fillRef idx="1">
+            <a:schemeClr val="dk1"/>
+          </a:fillRef>
+          <a:effectRef idx="0">
+            <a:schemeClr val="dk1"/>
+          </a:effectRef>
+          <a:fontRef idx="minor">
+            <a:schemeClr val="lt1"/>
+          </a:fontRef>
+        </p:style>
+        <p:txBody>
+          <a:bodyPr rtlCol="0" anchor="ctr"/>
+          <a:lstStyle/>
+          <a:p>
+            <a:pPr algn="ctr"/>
+            <a:endParaRPr lang="en-US"/>
+          </a:p>
+        </p:txBody>
+      </p:sp>
+      <p:pic>
+        <p:nvPicPr>
+          <p:cNvPr id="40" name="Picture 5" descr="C:\Users\student\AppData\Local\Microsoft\Windows\Temporary Internet Files\Content.IE5\ZXEC6SMV\MC900433802[1].png"/>
+          <p:cNvPicPr>
+            <a:picLocks noChangeAspect="1" noChangeArrowheads="1"/>
+          </p:cNvPicPr>
+          <p:nvPr/>
+        </p:nvPicPr>
+        <p:blipFill>
+          <a:blip r:embed="rId3" cstate="print"/>
+          <a:srcRect/>
+          <a:stretch>
+            <a:fillRect/>
+          </a:stretch>
+        </p:blipFill>
+        <p:spPr bwMode="auto">
+          <a:xfrm>
+            <a:off x="990600" y="1447800"/>
+            <a:ext cx="612648" cy="612648"/>
+          </a:xfrm>
+          <a:prstGeom prst="rect">
+            <a:avLst/>
+          </a:prstGeom>
+          <a:noFill/>
+        </p:spPr>
+      </p:pic>
+      <p:sp>
+        <p:nvSpPr>
+          <p:cNvPr id="41" name="Up Arrow 40"/>
+          <p:cNvSpPr/>
+          <p:nvPr/>
+        </p:nvSpPr>
+        <p:spPr>
+          <a:xfrm>
+            <a:off x="1066800" y="4419599"/>
+            <a:ext cx="381000" cy="381000"/>
+          </a:xfrm>
+          <a:prstGeom prst="upArrow">
+            <a:avLst/>
+          </a:prstGeom>
+        </p:spPr>
+        <p:style>
+          <a:lnRef idx="2">
+            <a:schemeClr val="dk1">
+              <a:shade val="50000"/>
+            </a:schemeClr>
+          </a:lnRef>
+          <a:fillRef idx="1">
+            <a:schemeClr val="dk1"/>
+          </a:fillRef>
+          <a:effectRef idx="0">
+            <a:schemeClr val="dk1"/>
+          </a:effectRef>
+          <a:fontRef idx="minor">
+            <a:schemeClr val="lt1"/>
+          </a:fontRef>
+        </p:style>
+        <p:txBody>
+          <a:bodyPr rtlCol="0" anchor="ctr"/>
+          <a:lstStyle/>
+          <a:p>
+            <a:pPr algn="ctr"/>
+            <a:endParaRPr lang="en-US" b="1">
+              <a:ln w="12700">
+                <a:solidFill>
+                  <a:schemeClr val="tx2">
+                    <a:satMod val="155000"/>
+                  </a:schemeClr>
+                </a:solidFill>
+                <a:prstDash val="solid"/>
+              </a:ln>
+              <a:solidFill>
+                <a:schemeClr val="bg2">
+                  <a:tint val="85000"/>
+                  <a:satMod val="155000"/>
+                </a:schemeClr>
+              </a:solidFill>
+              <a:effectLst>
+                <a:outerShdw blurRad="41275" dist="20320" dir="1800000" algn="tl" rotWithShape="0">
+                  <a:srgbClr val="000000">
+                    <a:alpha val="40000"/>
+                  </a:srgbClr>
+                </a:outerShdw>
+              </a:effectLst>
+            </a:endParaRPr>
+          </a:p>
+        </p:txBody>
+      </p:sp>
+      <p:sp>
+        <p:nvSpPr>
+          <p:cNvPr id="42" name="Up Arrow 41"/>
+          <p:cNvSpPr/>
+          <p:nvPr/>
+        </p:nvSpPr>
+        <p:spPr>
+          <a:xfrm rot="10800000">
+            <a:off x="1066800" y="4952999"/>
+            <a:ext cx="381000" cy="381000"/>
+          </a:xfrm>
+          <a:prstGeom prst="upArrow">
+            <a:avLst/>
+          </a:prstGeom>
+        </p:spPr>
+        <p:style>
+          <a:lnRef idx="2">
+            <a:schemeClr val="dk1">
+              <a:shade val="50000"/>
+            </a:schemeClr>
+          </a:lnRef>
+          <a:fillRef idx="1">
+            <a:schemeClr val="dk1"/>
+          </a:fillRef>
+          <a:effectRef idx="0">
+            <a:schemeClr val="dk1"/>
+          </a:effectRef>
+          <a:fontRef idx="minor">
+            <a:schemeClr val="lt1"/>
+          </a:fontRef>
+        </p:style>
+        <p:txBody>
+          <a:bodyPr rtlCol="0" anchor="ctr"/>
+          <a:lstStyle/>
+          <a:p>
+            <a:pPr algn="ctr"/>
+            <a:endParaRPr lang="en-US" b="1">
+              <a:ln w="12700">
+                <a:solidFill>
+                  <a:schemeClr val="tx2">
+                    <a:satMod val="155000"/>
+                  </a:schemeClr>
+                </a:solidFill>
+                <a:prstDash val="solid"/>
+              </a:ln>
+              <a:solidFill>
+                <a:schemeClr val="bg2">
+                  <a:tint val="85000"/>
+                  <a:satMod val="155000"/>
+                </a:schemeClr>
+              </a:solidFill>
+              <a:effectLst>
+                <a:outerShdw blurRad="41275" dist="20320" dir="1800000" algn="tl" rotWithShape="0">
+                  <a:srgbClr val="000000">
+                    <a:alpha val="40000"/>
+                  </a:srgbClr>
+                </a:outerShdw>
+              </a:effectLst>
+            </a:endParaRPr>
+          </a:p>
+        </p:txBody>
+      </p:sp>
+      <p:pic>
+        <p:nvPicPr>
+          <p:cNvPr id="43" name="Picture 5" descr="C:\Users\student\AppData\Local\Microsoft\Windows\Temporary Internet Files\Content.IE5\ZXEC6SMV\MC900433802[1].png"/>
+          <p:cNvPicPr>
+            <a:picLocks noChangeAspect="1" noChangeArrowheads="1"/>
+          </p:cNvPicPr>
+          <p:nvPr/>
+        </p:nvPicPr>
+        <p:blipFill>
+          <a:blip r:embed="rId3" cstate="print"/>
+          <a:srcRect/>
+          <a:stretch>
+            <a:fillRect/>
+          </a:stretch>
+        </p:blipFill>
+        <p:spPr bwMode="auto">
+          <a:xfrm>
+            <a:off x="990600" y="3809999"/>
+            <a:ext cx="612648" cy="612648"/>
+          </a:xfrm>
+          <a:prstGeom prst="rect">
+            <a:avLst/>
+          </a:prstGeom>
+          <a:noFill/>
+        </p:spPr>
+      </p:pic>
+      <p:sp>
+        <p:nvSpPr>
+          <p:cNvPr id="44" name="Up Arrow 43"/>
+          <p:cNvSpPr/>
+          <p:nvPr/>
+        </p:nvSpPr>
+        <p:spPr>
+          <a:xfrm>
+            <a:off x="6172200" y="2133600"/>
+            <a:ext cx="381000" cy="381000"/>
+          </a:xfrm>
+          <a:prstGeom prst="upArrow">
+            <a:avLst/>
+          </a:prstGeom>
+        </p:spPr>
+        <p:style>
+          <a:lnRef idx="2">
+            <a:schemeClr val="dk1">
+              <a:shade val="50000"/>
+            </a:schemeClr>
+          </a:lnRef>
+          <a:fillRef idx="1">
+            <a:schemeClr val="dk1"/>
+          </a:fillRef>
+          <a:effectRef idx="0">
+            <a:schemeClr val="dk1"/>
+          </a:effectRef>
+          <a:fontRef idx="minor">
+            <a:schemeClr val="lt1"/>
+          </a:fontRef>
+        </p:style>
+        <p:txBody>
+          <a:bodyPr rtlCol="0" anchor="ctr"/>
+          <a:lstStyle/>
+          <a:p>
+            <a:pPr algn="ctr"/>
+            <a:endParaRPr lang="en-US" b="1">
+              <a:ln w="12700">
+                <a:solidFill>
+                  <a:schemeClr val="tx2">
+                    <a:satMod val="155000"/>
+                  </a:schemeClr>
+                </a:solidFill>
+                <a:prstDash val="solid"/>
+              </a:ln>
+              <a:solidFill>
+                <a:schemeClr val="bg2">
+                  <a:tint val="85000"/>
+                  <a:satMod val="155000"/>
+                </a:schemeClr>
+              </a:solidFill>
+              <a:effectLst>
+                <a:outerShdw blurRad="41275" dist="20320" dir="1800000" algn="tl" rotWithShape="0">
+                  <a:srgbClr val="000000">
+                    <a:alpha val="40000"/>
+                  </a:srgbClr>
+                </a:outerShdw>
+              </a:effectLst>
+            </a:endParaRPr>
+          </a:p>
+        </p:txBody>
+      </p:sp>
+      <p:sp>
+        <p:nvSpPr>
+          <p:cNvPr id="45" name="Up Arrow 44"/>
+          <p:cNvSpPr/>
+          <p:nvPr/>
+        </p:nvSpPr>
+        <p:spPr>
+          <a:xfrm rot="10800000">
+            <a:off x="6172200" y="2667000"/>
+            <a:ext cx="381000" cy="381000"/>
+          </a:xfrm>
+          <a:prstGeom prst="upArrow">
+            <a:avLst/>
+          </a:prstGeom>
+        </p:spPr>
+        <p:style>
+          <a:lnRef idx="2">
+            <a:schemeClr val="dk1">
+              <a:shade val="50000"/>
+            </a:schemeClr>
+          </a:lnRef>
+          <a:fillRef idx="1">
+            <a:schemeClr val="dk1"/>
+          </a:fillRef>
+          <a:effectRef idx="0">
+            <a:schemeClr val="dk1"/>
+          </a:effectRef>
+          <a:fontRef idx="minor">
+            <a:schemeClr val="lt1"/>
+          </a:fontRef>
+        </p:style>
+        <p:txBody>
+          <a:bodyPr rtlCol="0" anchor="ctr"/>
+          <a:lstStyle/>
+          <a:p>
+            <a:pPr algn="ctr"/>
+            <a:endParaRPr lang="en-US" b="1">
+              <a:ln w="12700">
+                <a:solidFill>
+                  <a:schemeClr val="tx2">
+                    <a:satMod val="155000"/>
+                  </a:schemeClr>
+                </a:solidFill>
+                <a:prstDash val="solid"/>
+              </a:ln>
+              <a:solidFill>
+                <a:schemeClr val="bg2">
+                  <a:tint val="85000"/>
+                  <a:satMod val="155000"/>
+                </a:schemeClr>
+              </a:solidFill>
+              <a:effectLst>
+                <a:outerShdw blurRad="41275" dist="20320" dir="1800000" algn="tl" rotWithShape="0">
+                  <a:srgbClr val="000000">
+                    <a:alpha val="40000"/>
+                  </a:srgbClr>
+                </a:outerShdw>
+              </a:effectLst>
+            </a:endParaRPr>
+          </a:p>
+        </p:txBody>
+      </p:sp>
+      <p:pic>
+        <p:nvPicPr>
+          <p:cNvPr id="46" name="Picture 5" descr="C:\Users\student\AppData\Local\Microsoft\Windows\Temporary Internet Files\Content.IE5\ZXEC6SMV\MC900433802[1].png"/>
+          <p:cNvPicPr>
+            <a:picLocks noChangeAspect="1" noChangeArrowheads="1"/>
+          </p:cNvPicPr>
+          <p:nvPr/>
+        </p:nvPicPr>
+        <p:blipFill>
+          <a:blip r:embed="rId3" cstate="print"/>
+          <a:srcRect/>
+          <a:stretch>
+            <a:fillRect/>
+          </a:stretch>
+        </p:blipFill>
+        <p:spPr bwMode="auto">
+          <a:xfrm>
+            <a:off x="6096000" y="1524000"/>
+            <a:ext cx="612648" cy="612648"/>
+          </a:xfrm>
+          <a:prstGeom prst="rect">
+            <a:avLst/>
+          </a:prstGeom>
+          <a:noFill/>
+        </p:spPr>
+      </p:pic>
+      <p:sp>
+        <p:nvSpPr>
+          <p:cNvPr id="47" name="Up Arrow 46"/>
+          <p:cNvSpPr/>
+          <p:nvPr/>
+        </p:nvSpPr>
+        <p:spPr>
+          <a:xfrm>
+            <a:off x="6172200" y="4419599"/>
+            <a:ext cx="381000" cy="381000"/>
+          </a:xfrm>
+          <a:prstGeom prst="upArrow">
+            <a:avLst/>
+          </a:prstGeom>
+        </p:spPr>
+        <p:style>
+          <a:lnRef idx="2">
+            <a:schemeClr val="dk1">
+              <a:shade val="50000"/>
+            </a:schemeClr>
+          </a:lnRef>
+          <a:fillRef idx="1">
+            <a:schemeClr val="dk1"/>
+          </a:fillRef>
+          <a:effectRef idx="0">
+            <a:schemeClr val="dk1"/>
+          </a:effectRef>
+          <a:fontRef idx="minor">
+            <a:schemeClr val="lt1"/>
+          </a:fontRef>
+        </p:style>
+        <p:txBody>
+          <a:bodyPr rtlCol="0" anchor="ctr"/>
+          <a:lstStyle/>
+          <a:p>
+            <a:pPr algn="ctr"/>
+            <a:endParaRPr lang="en-US" b="1">
+              <a:ln w="12700">
+                <a:solidFill>
+                  <a:schemeClr val="tx2">
+                    <a:satMod val="155000"/>
+                  </a:schemeClr>
+                </a:solidFill>
+                <a:prstDash val="solid"/>
+              </a:ln>
+              <a:solidFill>
+                <a:schemeClr val="bg2">
+                  <a:tint val="85000"/>
+                  <a:satMod val="155000"/>
+                </a:schemeClr>
+              </a:solidFill>
+              <a:effectLst>
+                <a:outerShdw blurRad="41275" dist="20320" dir="1800000" algn="tl" rotWithShape="0">
+                  <a:srgbClr val="000000">
+                    <a:alpha val="40000"/>
+                  </a:srgbClr>
+                </a:outerShdw>
+              </a:effectLst>
+            </a:endParaRPr>
+          </a:p>
+        </p:txBody>
+      </p:sp>
+      <p:sp>
+        <p:nvSpPr>
+          <p:cNvPr id="48" name="Up Arrow 47"/>
+          <p:cNvSpPr/>
+          <p:nvPr/>
+        </p:nvSpPr>
+        <p:spPr>
+          <a:xfrm rot="10800000">
+            <a:off x="6172200" y="4952999"/>
+            <a:ext cx="381000" cy="381000"/>
+          </a:xfrm>
+          <a:prstGeom prst="upArrow">
+            <a:avLst/>
+          </a:prstGeom>
+        </p:spPr>
+        <p:style>
+          <a:lnRef idx="2">
+            <a:schemeClr val="dk1">
+              <a:shade val="50000"/>
+            </a:schemeClr>
+          </a:lnRef>
+          <a:fillRef idx="1">
+            <a:schemeClr val="dk1"/>
+          </a:fillRef>
+          <a:effectRef idx="0">
+            <a:schemeClr val="dk1"/>
+          </a:effectRef>
+          <a:fontRef idx="minor">
+            <a:schemeClr val="lt1"/>
+          </a:fontRef>
+        </p:style>
+        <p:txBody>
+          <a:bodyPr rtlCol="0" anchor="ctr"/>
+          <a:lstStyle/>
+          <a:p>
+            <a:pPr algn="ctr"/>
+            <a:endParaRPr lang="en-US" b="1">
+              <a:ln w="12700">
+                <a:solidFill>
+                  <a:schemeClr val="tx2">
+                    <a:satMod val="155000"/>
+                  </a:schemeClr>
+                </a:solidFill>
+                <a:prstDash val="solid"/>
+              </a:ln>
+              <a:solidFill>
+                <a:schemeClr val="bg2">
+                  <a:tint val="85000"/>
+                  <a:satMod val="155000"/>
+                </a:schemeClr>
+              </a:solidFill>
+              <a:effectLst>
+                <a:outerShdw blurRad="41275" dist="20320" dir="1800000" algn="tl" rotWithShape="0">
+                  <a:srgbClr val="000000">
+                    <a:alpha val="40000"/>
+                  </a:srgbClr>
+                </a:outerShdw>
+              </a:effectLst>
+            </a:endParaRPr>
+          </a:p>
+        </p:txBody>
+      </p:sp>
+      <p:pic>
+        <p:nvPicPr>
+          <p:cNvPr id="49" name="Picture 5" descr="C:\Users\student\AppData\Local\Microsoft\Windows\Temporary Internet Files\Content.IE5\ZXEC6SMV\MC900433802[1].png"/>
+          <p:cNvPicPr>
+            <a:picLocks noChangeAspect="1" noChangeArrowheads="1"/>
+          </p:cNvPicPr>
+          <p:nvPr/>
+        </p:nvPicPr>
+        <p:blipFill>
+          <a:blip r:embed="rId3" cstate="print"/>
+          <a:srcRect/>
+          <a:stretch>
+            <a:fillRect/>
+          </a:stretch>
+        </p:blipFill>
+        <p:spPr bwMode="auto">
+          <a:xfrm>
+            <a:off x="6096000" y="3809999"/>
+            <a:ext cx="612648" cy="612648"/>
+          </a:xfrm>
+          <a:prstGeom prst="rect">
+            <a:avLst/>
+          </a:prstGeom>
+          <a:noFill/>
+        </p:spPr>
+      </p:pic>
+      <p:pic>
+        <p:nvPicPr>
+          <p:cNvPr id="51" name="Picture 5" descr="C:\Users\student\AppData\Local\Microsoft\Windows\Temporary Internet Files\Content.IE5\ZXEC6SMV\MC900433802[1].png"/>
+          <p:cNvPicPr>
+            <a:picLocks noChangeAspect="1" noChangeArrowheads="1"/>
+          </p:cNvPicPr>
+          <p:nvPr/>
+        </p:nvPicPr>
+        <p:blipFill>
+          <a:blip r:embed="rId3" cstate="print"/>
+          <a:srcRect/>
+          <a:stretch>
+            <a:fillRect/>
+          </a:stretch>
+        </p:blipFill>
+        <p:spPr bwMode="auto">
+          <a:xfrm>
+            <a:off x="4419600" y="4114799"/>
+            <a:ext cx="1143000" cy="1143000"/>
+          </a:xfrm>
+          <a:prstGeom prst="rect">
+            <a:avLst/>
+          </a:prstGeom>
+          <a:noFill/>
+        </p:spPr>
+      </p:pic>
+      <p:pic>
+        <p:nvPicPr>
+          <p:cNvPr id="52" name="Picture 5" descr="C:\Users\student\AppData\Local\Microsoft\Windows\Temporary Internet Files\Content.IE5\ZXEC6SMV\MC900433802[1].png"/>
+          <p:cNvPicPr>
+            <a:picLocks noChangeAspect="1" noChangeArrowheads="1"/>
+          </p:cNvPicPr>
+          <p:nvPr/>
+        </p:nvPicPr>
+        <p:blipFill>
+          <a:blip r:embed="rId3" cstate="print"/>
+          <a:srcRect/>
+          <a:stretch>
+            <a:fillRect/>
+          </a:stretch>
+        </p:blipFill>
+        <p:spPr bwMode="auto">
+          <a:xfrm>
+            <a:off x="4419600" y="1752600"/>
+            <a:ext cx="1143000" cy="1143000"/>
+          </a:xfrm>
+          <a:prstGeom prst="rect">
+            <a:avLst/>
+          </a:prstGeom>
+          <a:noFill/>
+        </p:spPr>
+      </p:pic>
+      <p:pic>
+        <p:nvPicPr>
+          <p:cNvPr id="53" name="Picture 5" descr="C:\Users\student\AppData\Local\Microsoft\Windows\Temporary Internet Files\Content.IE5\ZXEC6SMV\MC900433802[1].png"/>
+          <p:cNvPicPr>
+            <a:picLocks noChangeAspect="1" noChangeArrowheads="1"/>
+          </p:cNvPicPr>
+          <p:nvPr/>
+        </p:nvPicPr>
+        <p:blipFill>
+          <a:blip r:embed="rId3" cstate="print"/>
+          <a:srcRect/>
+          <a:stretch>
+            <a:fillRect/>
+          </a:stretch>
+        </p:blipFill>
+        <p:spPr bwMode="auto">
+          <a:xfrm>
+            <a:off x="2209800" y="1752600"/>
+            <a:ext cx="1143000" cy="1143000"/>
+          </a:xfrm>
+          <a:prstGeom prst="rect">
+            <a:avLst/>
+          </a:prstGeom>
+          <a:noFill/>
+        </p:spPr>
+      </p:pic>
+      <p:pic>
+        <p:nvPicPr>
+          <p:cNvPr id="54" name="Picture 5" descr="C:\Users\student\AppData\Local\Microsoft\Windows\Temporary Internet Files\Content.IE5\ZXEC6SMV\MC900433802[1].png"/>
+          <p:cNvPicPr>
+            <a:picLocks noChangeAspect="1" noChangeArrowheads="1"/>
+          </p:cNvPicPr>
+          <p:nvPr/>
+        </p:nvPicPr>
+        <p:blipFill>
+          <a:blip r:embed="rId3" cstate="print"/>
+          <a:srcRect/>
+          <a:stretch>
+            <a:fillRect/>
+          </a:stretch>
+        </p:blipFill>
+        <p:spPr bwMode="auto">
+          <a:xfrm>
+            <a:off x="2209800" y="4114799"/>
+            <a:ext cx="1143000" cy="1143000"/>
+          </a:xfrm>
+          <a:prstGeom prst="rect">
+            <a:avLst/>
+          </a:prstGeom>
+          <a:noFill/>
+        </p:spPr>
+      </p:pic>
+      <p:pic>
+        <p:nvPicPr>
+          <p:cNvPr id="5122" name="Picture 2" descr="http://montigo17.tripod.com/Design/Shade.jpg"/>
+          <p:cNvPicPr>
+            <a:picLocks noChangeAspect="1" noChangeArrowheads="1"/>
+          </p:cNvPicPr>
+          <p:nvPr/>
+        </p:nvPicPr>
+        <p:blipFill>
+          <a:blip r:embed="rId4" cstate="print"/>
+          <a:srcRect/>
+          <a:stretch>
+            <a:fillRect/>
+          </a:stretch>
+        </p:blipFill>
+        <p:spPr bwMode="auto">
+          <a:xfrm>
+            <a:off x="762000" y="5562600"/>
+            <a:ext cx="2895601" cy="228600"/>
+          </a:xfrm>
+          <a:prstGeom prst="rect">
+            <a:avLst/>
+          </a:prstGeom>
+          <a:noFill/>
+        </p:spPr>
+      </p:pic>
+      <p:pic>
+        <p:nvPicPr>
+          <p:cNvPr id="55" name="Picture 2" descr="http://montigo17.tripod.com/Design/Shade.jpg"/>
+          <p:cNvPicPr>
+            <a:picLocks noChangeAspect="1" noChangeArrowheads="1"/>
+          </p:cNvPicPr>
+          <p:nvPr/>
+        </p:nvPicPr>
+        <p:blipFill>
+          <a:blip r:embed="rId4" cstate="print"/>
+          <a:srcRect/>
+          <a:stretch>
+            <a:fillRect/>
+          </a:stretch>
+        </p:blipFill>
+        <p:spPr bwMode="auto">
+          <a:xfrm>
+            <a:off x="3962400" y="5562599"/>
+            <a:ext cx="2895601" cy="228600"/>
+          </a:xfrm>
+          <a:prstGeom prst="rect">
+            <a:avLst/>
+          </a:prstGeom>
+          <a:noFill/>
+        </p:spPr>
+      </p:pic>
+      <p:pic>
+        <p:nvPicPr>
+          <p:cNvPr id="56" name="Picture 2" descr="http://montigo17.tripod.com/Design/Shade.jpg"/>
+          <p:cNvPicPr>
+            <a:picLocks noChangeAspect="1" noChangeArrowheads="1"/>
+          </p:cNvPicPr>
+          <p:nvPr/>
+        </p:nvPicPr>
+        <p:blipFill>
+          <a:blip r:embed="rId4" cstate="print"/>
+          <a:srcRect/>
+          <a:stretch>
+            <a:fillRect/>
+          </a:stretch>
+        </p:blipFill>
+        <p:spPr bwMode="auto">
+          <a:xfrm>
+            <a:off x="762000" y="3200400"/>
+            <a:ext cx="2895601" cy="228600"/>
+          </a:xfrm>
+          <a:prstGeom prst="rect">
+            <a:avLst/>
+          </a:prstGeom>
+          <a:noFill/>
+        </p:spPr>
+      </p:pic>
+      <p:pic>
+        <p:nvPicPr>
+          <p:cNvPr id="57" name="Picture 2" descr="http://montigo17.tripod.com/Design/Shade.jpg"/>
+          <p:cNvPicPr>
+            <a:picLocks noChangeAspect="1" noChangeArrowheads="1"/>
+          </p:cNvPicPr>
+          <p:nvPr/>
+        </p:nvPicPr>
+        <p:blipFill>
+          <a:blip r:embed="rId4" cstate="print"/>
+          <a:srcRect/>
+          <a:stretch>
+            <a:fillRect/>
+          </a:stretch>
+        </p:blipFill>
+        <p:spPr bwMode="auto">
+          <a:xfrm>
+            <a:off x="3962400" y="3200400"/>
+            <a:ext cx="2895601" cy="228600"/>
+          </a:xfrm>
+          <a:prstGeom prst="rect">
+            <a:avLst/>
+          </a:prstGeom>
+          <a:noFill/>
+        </p:spPr>
+      </p:pic>
+      <p:pic>
+        <p:nvPicPr>
+          <p:cNvPr id="58" name="Picture 5" descr="C:\Users\student\AppData\Local\Microsoft\Windows\Temporary Internet Files\Content.IE5\ZXEC6SMV\MC900433802[1].png"/>
+          <p:cNvPicPr>
+            <a:picLocks noChangeAspect="1" noChangeArrowheads="1"/>
+          </p:cNvPicPr>
+          <p:nvPr/>
+        </p:nvPicPr>
+        <p:blipFill>
+          <a:blip r:embed="rId3" cstate="print"/>
+          <a:srcRect/>
+          <a:stretch>
+            <a:fillRect/>
+          </a:stretch>
+        </p:blipFill>
+        <p:spPr bwMode="auto">
+          <a:xfrm>
+            <a:off x="7543800" y="5410200"/>
+            <a:ext cx="1295400" cy="1295400"/>
+          </a:xfrm>
+          <a:prstGeom prst="rect">
+            <a:avLst/>
+          </a:prstGeom>
+          <a:noFill/>
+        </p:spPr>
+      </p:pic>
+      <p:pic>
+        <p:nvPicPr>
+          <p:cNvPr id="59" name="Picture 2" descr="C:\Users\student\AppData\Local\Microsoft\Windows\Temporary Internet Files\Content.IE5\JSC1GYNN\MC900432671[1].png">
+            <a:hlinkClick r:id="rId5" action="ppaction://hlinksldjump"/>
+          </p:cNvPr>
           <p:cNvPicPr>
             <a:picLocks noChangeAspect="1" noChangeArrowheads="1"/>
           </p:cNvPicPr>
@@ -6317,8 +9065,8 @@
         </p:blipFill>
         <p:spPr bwMode="auto">
           <a:xfrm>
-            <a:off x="1600200" y="2895600"/>
-            <a:ext cx="612648" cy="612648"/>
+            <a:off x="0" y="228600"/>
+            <a:ext cx="685800" cy="685800"/>
           </a:xfrm>
           <a:prstGeom prst="rect">
             <a:avLst/>
@@ -6326,18 +9074,85 @@
           <a:noFill/>
         </p:spPr>
       </p:pic>
+    </p:spTree>
+  </p:cSld>
+  <p:clrMapOvr>
+    <a:masterClrMapping/>
+  </p:clrMapOvr>
+  <p:timing>
+    <p:tnLst>
+      <p:par>
+        <p:cTn id="1" dur="indefinite" restart="never" nodeType="tmRoot"/>
+      </p:par>
+    </p:tnLst>
+  </p:timing>
+</p:sld>
+</file>
+
+<file path=ppt/slides/slide7.xml><?xml version="1.0" encoding="utf-8"?>
+<p:sld xmlns:a="http://schemas.openxmlformats.org/drawingml/2006/main" xmlns:r="http://schemas.openxmlformats.org/officeDocument/2006/relationships" xmlns:p="http://schemas.openxmlformats.org/presentationml/2006/main">
+  <p:cSld>
+    <p:spTree>
+      <p:nvGrpSpPr>
+        <p:cNvPr id="1" name=""/>
+        <p:cNvGrpSpPr/>
+        <p:nvPr/>
+      </p:nvGrpSpPr>
+      <p:grpSpPr>
+        <a:xfrm>
+          <a:off x="0" y="0"/>
+          <a:ext cx="0" cy="0"/>
+          <a:chOff x="0" y="0"/>
+          <a:chExt cx="0" cy="0"/>
+        </a:xfrm>
+      </p:grpSpPr>
+      <p:sp>
+        <p:nvSpPr>
+          <p:cNvPr id="23" name="TextBox 22"/>
+          <p:cNvSpPr txBox="1"/>
+          <p:nvPr/>
+        </p:nvSpPr>
+        <p:spPr>
+          <a:xfrm>
+            <a:off x="758599" y="144959"/>
+            <a:ext cx="6099401" cy="769441"/>
+          </a:xfrm>
+          <a:prstGeom prst="rect">
+            <a:avLst/>
+          </a:prstGeom>
+          <a:noFill/>
+        </p:spPr>
+        <p:txBody>
+          <a:bodyPr wrap="square" rtlCol="0">
+            <a:spAutoFit/>
+          </a:bodyPr>
+          <a:lstStyle/>
+          <a:p>
+            <a:r>
+              <a:rPr lang="en-US" sz="4400" dirty="0" smtClean="0">
+                <a:latin typeface="Segoe UI Light" pitchFamily="34" charset="0"/>
+                <a:cs typeface="Segoe UI Light" pitchFamily="34" charset="0"/>
+              </a:rPr>
+              <a:t>Entertainment Over-ride</a:t>
+            </a:r>
+            <a:endParaRPr lang="en-US" sz="4400" dirty="0">
+              <a:latin typeface="Segoe UI Light" pitchFamily="34" charset="0"/>
+              <a:cs typeface="Segoe UI Light" pitchFamily="34" charset="0"/>
+            </a:endParaRPr>
+          </a:p>
+        </p:txBody>
+      </p:sp>
       <p:pic>
         <p:nvPicPr>
-          <p:cNvPr id="4105" name="Picture 9" descr="C:\Program Files\Microsoft Office\MEDIA\CAGCAT10\j0293236.wmf"/>
+          <p:cNvPr id="34" name="Picture 8" descr="C:\Users\student\AppData\Local\Microsoft\Windows\Temporary Internet Files\Content.IE5\JSC1GYNN\MC900310884[1].wmf"/>
           <p:cNvPicPr>
             <a:picLocks noChangeAspect="1" noChangeArrowheads="1"/>
           </p:cNvPicPr>
           <p:nvPr/>
         </p:nvPicPr>
         <p:blipFill>
-          <a:blip r:embed="rId7" cstate="print">
-            <a:biLevel thresh="50000"/>
-            <a:lum bright="100000"/>
+          <a:blip r:embed="rId3" cstate="print">
+            <a:lum bright="70000" contrast="-70000"/>
           </a:blip>
           <a:srcRect/>
           <a:stretch>
@@ -6346,8 +9161,8 @@
         </p:blipFill>
         <p:spPr bwMode="auto">
           <a:xfrm>
-            <a:off x="7162800" y="1219200"/>
-            <a:ext cx="830446" cy="612648"/>
+            <a:off x="7696200" y="5638800"/>
+            <a:ext cx="1015027" cy="914400"/>
           </a:xfrm>
           <a:prstGeom prst="rect">
             <a:avLst/>
@@ -6355,16 +9170,750 @@
           <a:noFill/>
         </p:spPr>
       </p:pic>
+      <p:sp>
+        <p:nvSpPr>
+          <p:cNvPr id="38" name="Rectangle 37"/>
+          <p:cNvSpPr/>
+          <p:nvPr/>
+        </p:nvSpPr>
+        <p:spPr>
+          <a:xfrm>
+            <a:off x="838200" y="1295400"/>
+            <a:ext cx="838200" cy="1676400"/>
+          </a:xfrm>
+          <a:prstGeom prst="rect">
+            <a:avLst/>
+          </a:prstGeom>
+        </p:spPr>
+        <p:style>
+          <a:lnRef idx="2">
+            <a:schemeClr val="accent1">
+              <a:shade val="50000"/>
+            </a:schemeClr>
+          </a:lnRef>
+          <a:fillRef idx="1">
+            <a:schemeClr val="accent1"/>
+          </a:fillRef>
+          <a:effectRef idx="0">
+            <a:schemeClr val="accent1"/>
+          </a:effectRef>
+          <a:fontRef idx="minor">
+            <a:schemeClr val="lt1"/>
+          </a:fontRef>
+        </p:style>
+        <p:txBody>
+          <a:bodyPr rtlCol="0" anchor="ctr"/>
+          <a:lstStyle/>
+          <a:p>
+            <a:pPr algn="ctr"/>
+            <a:r>
+              <a:rPr lang="en-US" dirty="0" smtClean="0"/>
+              <a:t>Audio</a:t>
+            </a:r>
+          </a:p>
+          <a:p>
+            <a:pPr algn="ctr"/>
+            <a:r>
+              <a:rPr lang="en-US" dirty="0" smtClean="0"/>
+              <a:t>On/Off</a:t>
+            </a:r>
+            <a:endParaRPr lang="en-US" dirty="0"/>
+          </a:p>
+        </p:txBody>
+      </p:sp>
+      <p:sp>
+        <p:nvSpPr>
+          <p:cNvPr id="39" name="Rectangle 38"/>
+          <p:cNvSpPr/>
+          <p:nvPr/>
+        </p:nvSpPr>
+        <p:spPr>
+          <a:xfrm>
+            <a:off x="1828800" y="3657599"/>
+            <a:ext cx="1828800" cy="685801"/>
+          </a:xfrm>
+          <a:prstGeom prst="rect">
+            <a:avLst/>
+          </a:prstGeom>
+        </p:spPr>
+        <p:style>
+          <a:lnRef idx="2">
+            <a:schemeClr val="accent1">
+              <a:shade val="50000"/>
+            </a:schemeClr>
+          </a:lnRef>
+          <a:fillRef idx="1">
+            <a:schemeClr val="accent1"/>
+          </a:fillRef>
+          <a:effectRef idx="0">
+            <a:schemeClr val="accent1"/>
+          </a:effectRef>
+          <a:fontRef idx="minor">
+            <a:schemeClr val="lt1"/>
+          </a:fontRef>
+        </p:style>
+        <p:txBody>
+          <a:bodyPr rtlCol="0" anchor="ctr"/>
+          <a:lstStyle/>
+          <a:p>
+            <a:pPr algn="ctr"/>
+            <a:r>
+              <a:rPr lang="en-US" dirty="0" smtClean="0"/>
+              <a:t>Video On/Off</a:t>
+            </a:r>
+            <a:endParaRPr lang="en-US" dirty="0"/>
+          </a:p>
+        </p:txBody>
+      </p:sp>
+      <p:sp>
+        <p:nvSpPr>
+          <p:cNvPr id="50" name="Rectangle 49"/>
+          <p:cNvSpPr/>
+          <p:nvPr/>
+        </p:nvSpPr>
+        <p:spPr>
+          <a:xfrm>
+            <a:off x="838200" y="3657599"/>
+            <a:ext cx="838200" cy="1676400"/>
+          </a:xfrm>
+          <a:prstGeom prst="rect">
+            <a:avLst/>
+          </a:prstGeom>
+        </p:spPr>
+        <p:style>
+          <a:lnRef idx="2">
+            <a:schemeClr val="accent1">
+              <a:shade val="50000"/>
+            </a:schemeClr>
+          </a:lnRef>
+          <a:fillRef idx="1">
+            <a:schemeClr val="accent1"/>
+          </a:fillRef>
+          <a:effectRef idx="0">
+            <a:schemeClr val="accent1"/>
+          </a:effectRef>
+          <a:fontRef idx="minor">
+            <a:schemeClr val="lt1"/>
+          </a:fontRef>
+        </p:style>
+        <p:txBody>
+          <a:bodyPr rtlCol="0" anchor="ctr"/>
+          <a:lstStyle/>
+          <a:p>
+            <a:pPr algn="ctr"/>
+            <a:r>
+              <a:rPr lang="en-US" dirty="0" smtClean="0"/>
+              <a:t>Audio</a:t>
+            </a:r>
+          </a:p>
+          <a:p>
+            <a:pPr algn="ctr"/>
+            <a:r>
+              <a:rPr lang="en-US" dirty="0" smtClean="0"/>
+              <a:t>On/Off</a:t>
+            </a:r>
+            <a:endParaRPr lang="en-US" dirty="0"/>
+          </a:p>
+        </p:txBody>
+      </p:sp>
+      <p:sp>
+        <p:nvSpPr>
+          <p:cNvPr id="58" name="Rectangle 57"/>
+          <p:cNvSpPr/>
+          <p:nvPr/>
+        </p:nvSpPr>
+        <p:spPr>
+          <a:xfrm>
+            <a:off x="3962400" y="3657599"/>
+            <a:ext cx="1828800" cy="685801"/>
+          </a:xfrm>
+          <a:prstGeom prst="rect">
+            <a:avLst/>
+          </a:prstGeom>
+        </p:spPr>
+        <p:style>
+          <a:lnRef idx="2">
+            <a:schemeClr val="accent1">
+              <a:shade val="50000"/>
+            </a:schemeClr>
+          </a:lnRef>
+          <a:fillRef idx="1">
+            <a:schemeClr val="accent1"/>
+          </a:fillRef>
+          <a:effectRef idx="0">
+            <a:schemeClr val="accent1"/>
+          </a:effectRef>
+          <a:fontRef idx="minor">
+            <a:schemeClr val="lt1"/>
+          </a:fontRef>
+        </p:style>
+        <p:txBody>
+          <a:bodyPr rtlCol="0" anchor="ctr"/>
+          <a:lstStyle/>
+          <a:p>
+            <a:pPr algn="ctr"/>
+            <a:r>
+              <a:rPr lang="en-US" dirty="0" smtClean="0"/>
+              <a:t>Video On/Off</a:t>
+            </a:r>
+            <a:endParaRPr lang="en-US" dirty="0"/>
+          </a:p>
+        </p:txBody>
+      </p:sp>
+      <p:sp>
+        <p:nvSpPr>
+          <p:cNvPr id="59" name="Rectangle 58"/>
+          <p:cNvSpPr/>
+          <p:nvPr/>
+        </p:nvSpPr>
+        <p:spPr>
+          <a:xfrm>
+            <a:off x="5943600" y="3657599"/>
+            <a:ext cx="838200" cy="1676400"/>
+          </a:xfrm>
+          <a:prstGeom prst="rect">
+            <a:avLst/>
+          </a:prstGeom>
+        </p:spPr>
+        <p:style>
+          <a:lnRef idx="2">
+            <a:schemeClr val="accent1">
+              <a:shade val="50000"/>
+            </a:schemeClr>
+          </a:lnRef>
+          <a:fillRef idx="1">
+            <a:schemeClr val="accent1"/>
+          </a:fillRef>
+          <a:effectRef idx="0">
+            <a:schemeClr val="accent1"/>
+          </a:effectRef>
+          <a:fontRef idx="minor">
+            <a:schemeClr val="lt1"/>
+          </a:fontRef>
+        </p:style>
+        <p:txBody>
+          <a:bodyPr rtlCol="0" anchor="ctr"/>
+          <a:lstStyle/>
+          <a:p>
+            <a:pPr algn="ctr"/>
+            <a:r>
+              <a:rPr lang="en-US" dirty="0" smtClean="0"/>
+              <a:t>Audio</a:t>
+            </a:r>
+          </a:p>
+          <a:p>
+            <a:pPr algn="ctr"/>
+            <a:r>
+              <a:rPr lang="en-US" dirty="0" smtClean="0"/>
+              <a:t>On/Off</a:t>
+            </a:r>
+            <a:endParaRPr lang="en-US" dirty="0"/>
+          </a:p>
+        </p:txBody>
+      </p:sp>
+      <p:sp>
+        <p:nvSpPr>
+          <p:cNvPr id="61" name="Rectangle 60"/>
+          <p:cNvSpPr/>
+          <p:nvPr/>
+        </p:nvSpPr>
+        <p:spPr>
+          <a:xfrm>
+            <a:off x="5943600" y="1295400"/>
+            <a:ext cx="838200" cy="1676400"/>
+          </a:xfrm>
+          <a:prstGeom prst="rect">
+            <a:avLst/>
+          </a:prstGeom>
+        </p:spPr>
+        <p:style>
+          <a:lnRef idx="2">
+            <a:schemeClr val="accent1">
+              <a:shade val="50000"/>
+            </a:schemeClr>
+          </a:lnRef>
+          <a:fillRef idx="1">
+            <a:schemeClr val="accent1"/>
+          </a:fillRef>
+          <a:effectRef idx="0">
+            <a:schemeClr val="accent1"/>
+          </a:effectRef>
+          <a:fontRef idx="minor">
+            <a:schemeClr val="lt1"/>
+          </a:fontRef>
+        </p:style>
+        <p:txBody>
+          <a:bodyPr rtlCol="0" anchor="ctr"/>
+          <a:lstStyle/>
+          <a:p>
+            <a:pPr algn="ctr"/>
+            <a:r>
+              <a:rPr lang="en-US" dirty="0" smtClean="0"/>
+              <a:t>Audio</a:t>
+            </a:r>
+          </a:p>
+          <a:p>
+            <a:pPr algn="ctr"/>
+            <a:r>
+              <a:rPr lang="en-US" dirty="0" smtClean="0"/>
+              <a:t>On/Off</a:t>
+            </a:r>
+            <a:endParaRPr lang="en-US" dirty="0"/>
+          </a:p>
+        </p:txBody>
+      </p:sp>
+      <p:sp>
+        <p:nvSpPr>
+          <p:cNvPr id="93" name="Rectangle 92"/>
+          <p:cNvSpPr/>
+          <p:nvPr/>
+        </p:nvSpPr>
+        <p:spPr>
+          <a:xfrm>
+            <a:off x="3962400" y="1295400"/>
+            <a:ext cx="1828800" cy="685801"/>
+          </a:xfrm>
+          <a:prstGeom prst="rect">
+            <a:avLst/>
+          </a:prstGeom>
+        </p:spPr>
+        <p:style>
+          <a:lnRef idx="2">
+            <a:schemeClr val="accent1">
+              <a:shade val="50000"/>
+            </a:schemeClr>
+          </a:lnRef>
+          <a:fillRef idx="1">
+            <a:schemeClr val="accent1"/>
+          </a:fillRef>
+          <a:effectRef idx="0">
+            <a:schemeClr val="accent1"/>
+          </a:effectRef>
+          <a:fontRef idx="minor">
+            <a:schemeClr val="lt1"/>
+          </a:fontRef>
+        </p:style>
+        <p:txBody>
+          <a:bodyPr rtlCol="0" anchor="ctr"/>
+          <a:lstStyle/>
+          <a:p>
+            <a:pPr algn="ctr"/>
+            <a:r>
+              <a:rPr lang="en-US" dirty="0" smtClean="0"/>
+              <a:t>Video On/Off</a:t>
+            </a:r>
+            <a:endParaRPr lang="en-US" dirty="0"/>
+          </a:p>
+        </p:txBody>
+      </p:sp>
+      <p:sp>
+        <p:nvSpPr>
+          <p:cNvPr id="94" name="Rectangle 93"/>
+          <p:cNvSpPr/>
+          <p:nvPr/>
+        </p:nvSpPr>
+        <p:spPr>
+          <a:xfrm>
+            <a:off x="1828800" y="2286000"/>
+            <a:ext cx="838200" cy="685801"/>
+          </a:xfrm>
+          <a:prstGeom prst="rect">
+            <a:avLst/>
+          </a:prstGeom>
+        </p:spPr>
+        <p:style>
+          <a:lnRef idx="2">
+            <a:schemeClr val="accent1">
+              <a:shade val="50000"/>
+            </a:schemeClr>
+          </a:lnRef>
+          <a:fillRef idx="1">
+            <a:schemeClr val="accent1"/>
+          </a:fillRef>
+          <a:effectRef idx="0">
+            <a:schemeClr val="accent1"/>
+          </a:effectRef>
+          <a:fontRef idx="minor">
+            <a:schemeClr val="lt1"/>
+          </a:fontRef>
+        </p:style>
+        <p:txBody>
+          <a:bodyPr rtlCol="0" anchor="ctr"/>
+          <a:lstStyle/>
+          <a:p>
+            <a:pPr algn="ctr"/>
+            <a:r>
+              <a:rPr lang="en-US" dirty="0" smtClean="0"/>
+              <a:t>GIS On/Off</a:t>
+            </a:r>
+            <a:endParaRPr lang="en-US" dirty="0"/>
+          </a:p>
+        </p:txBody>
+      </p:sp>
+      <p:sp>
+        <p:nvSpPr>
+          <p:cNvPr id="95" name="Rectangle 94"/>
+          <p:cNvSpPr/>
+          <p:nvPr/>
+        </p:nvSpPr>
+        <p:spPr>
+          <a:xfrm>
+            <a:off x="1828800" y="1295400"/>
+            <a:ext cx="1828800" cy="685801"/>
+          </a:xfrm>
+          <a:prstGeom prst="rect">
+            <a:avLst/>
+          </a:prstGeom>
+        </p:spPr>
+        <p:style>
+          <a:lnRef idx="2">
+            <a:schemeClr val="accent1">
+              <a:shade val="50000"/>
+            </a:schemeClr>
+          </a:lnRef>
+          <a:fillRef idx="1">
+            <a:schemeClr val="accent1"/>
+          </a:fillRef>
+          <a:effectRef idx="0">
+            <a:schemeClr val="accent1"/>
+          </a:effectRef>
+          <a:fontRef idx="minor">
+            <a:schemeClr val="lt1"/>
+          </a:fontRef>
+        </p:style>
+        <p:txBody>
+          <a:bodyPr rtlCol="0" anchor="ctr"/>
+          <a:lstStyle/>
+          <a:p>
+            <a:pPr algn="ctr"/>
+            <a:r>
+              <a:rPr lang="en-US" dirty="0" smtClean="0"/>
+              <a:t>Video On/Off</a:t>
+            </a:r>
+            <a:endParaRPr lang="en-US" dirty="0"/>
+          </a:p>
+        </p:txBody>
+      </p:sp>
+      <p:sp>
+        <p:nvSpPr>
+          <p:cNvPr id="100" name="Rectangle 99"/>
+          <p:cNvSpPr/>
+          <p:nvPr/>
+        </p:nvSpPr>
+        <p:spPr>
+          <a:xfrm>
+            <a:off x="2819400" y="2286000"/>
+            <a:ext cx="838200" cy="685801"/>
+          </a:xfrm>
+          <a:prstGeom prst="rect">
+            <a:avLst/>
+          </a:prstGeom>
+        </p:spPr>
+        <p:style>
+          <a:lnRef idx="2">
+            <a:schemeClr val="accent1">
+              <a:shade val="50000"/>
+            </a:schemeClr>
+          </a:lnRef>
+          <a:fillRef idx="1">
+            <a:schemeClr val="accent1"/>
+          </a:fillRef>
+          <a:effectRef idx="0">
+            <a:schemeClr val="accent1"/>
+          </a:effectRef>
+          <a:fontRef idx="minor">
+            <a:schemeClr val="lt1"/>
+          </a:fontRef>
+        </p:style>
+        <p:txBody>
+          <a:bodyPr rtlCol="0" anchor="ctr"/>
+          <a:lstStyle/>
+          <a:p>
+            <a:pPr algn="ctr"/>
+            <a:r>
+              <a:rPr lang="en-US" dirty="0" smtClean="0"/>
+              <a:t>GIS On/Off</a:t>
+            </a:r>
+            <a:endParaRPr lang="en-US" dirty="0"/>
+          </a:p>
+        </p:txBody>
+      </p:sp>
+      <p:sp>
+        <p:nvSpPr>
+          <p:cNvPr id="101" name="Rectangle 100"/>
+          <p:cNvSpPr/>
+          <p:nvPr/>
+        </p:nvSpPr>
+        <p:spPr>
+          <a:xfrm>
+            <a:off x="3962400" y="2286000"/>
+            <a:ext cx="838200" cy="685801"/>
+          </a:xfrm>
+          <a:prstGeom prst="rect">
+            <a:avLst/>
+          </a:prstGeom>
+        </p:spPr>
+        <p:style>
+          <a:lnRef idx="2">
+            <a:schemeClr val="accent1">
+              <a:shade val="50000"/>
+            </a:schemeClr>
+          </a:lnRef>
+          <a:fillRef idx="1">
+            <a:schemeClr val="accent1"/>
+          </a:fillRef>
+          <a:effectRef idx="0">
+            <a:schemeClr val="accent1"/>
+          </a:effectRef>
+          <a:fontRef idx="minor">
+            <a:schemeClr val="lt1"/>
+          </a:fontRef>
+        </p:style>
+        <p:txBody>
+          <a:bodyPr rtlCol="0" anchor="ctr"/>
+          <a:lstStyle/>
+          <a:p>
+            <a:pPr algn="ctr"/>
+            <a:r>
+              <a:rPr lang="en-US" dirty="0" smtClean="0"/>
+              <a:t>GIS On/Off</a:t>
+            </a:r>
+            <a:endParaRPr lang="en-US" dirty="0"/>
+          </a:p>
+        </p:txBody>
+      </p:sp>
+      <p:sp>
+        <p:nvSpPr>
+          <p:cNvPr id="102" name="Rectangle 101"/>
+          <p:cNvSpPr/>
+          <p:nvPr/>
+        </p:nvSpPr>
+        <p:spPr>
+          <a:xfrm>
+            <a:off x="4953000" y="2286000"/>
+            <a:ext cx="838200" cy="685801"/>
+          </a:xfrm>
+          <a:prstGeom prst="rect">
+            <a:avLst/>
+          </a:prstGeom>
+        </p:spPr>
+        <p:style>
+          <a:lnRef idx="2">
+            <a:schemeClr val="accent1">
+              <a:shade val="50000"/>
+            </a:schemeClr>
+          </a:lnRef>
+          <a:fillRef idx="1">
+            <a:schemeClr val="accent1"/>
+          </a:fillRef>
+          <a:effectRef idx="0">
+            <a:schemeClr val="accent1"/>
+          </a:effectRef>
+          <a:fontRef idx="minor">
+            <a:schemeClr val="lt1"/>
+          </a:fontRef>
+        </p:style>
+        <p:txBody>
+          <a:bodyPr rtlCol="0" anchor="ctr"/>
+          <a:lstStyle/>
+          <a:p>
+            <a:pPr algn="ctr"/>
+            <a:r>
+              <a:rPr lang="en-US" dirty="0" smtClean="0"/>
+              <a:t>GIS On/Off</a:t>
+            </a:r>
+            <a:endParaRPr lang="en-US" dirty="0"/>
+          </a:p>
+        </p:txBody>
+      </p:sp>
+      <p:sp>
+        <p:nvSpPr>
+          <p:cNvPr id="103" name="Rectangle 102"/>
+          <p:cNvSpPr/>
+          <p:nvPr/>
+        </p:nvSpPr>
+        <p:spPr>
+          <a:xfrm>
+            <a:off x="1828800" y="4648200"/>
+            <a:ext cx="838200" cy="685801"/>
+          </a:xfrm>
+          <a:prstGeom prst="rect">
+            <a:avLst/>
+          </a:prstGeom>
+        </p:spPr>
+        <p:style>
+          <a:lnRef idx="2">
+            <a:schemeClr val="accent1">
+              <a:shade val="50000"/>
+            </a:schemeClr>
+          </a:lnRef>
+          <a:fillRef idx="1">
+            <a:schemeClr val="accent1"/>
+          </a:fillRef>
+          <a:effectRef idx="0">
+            <a:schemeClr val="accent1"/>
+          </a:effectRef>
+          <a:fontRef idx="minor">
+            <a:schemeClr val="lt1"/>
+          </a:fontRef>
+        </p:style>
+        <p:txBody>
+          <a:bodyPr rtlCol="0" anchor="ctr"/>
+          <a:lstStyle/>
+          <a:p>
+            <a:pPr algn="ctr"/>
+            <a:r>
+              <a:rPr lang="en-US" dirty="0" smtClean="0"/>
+              <a:t>GIS On/Off</a:t>
+            </a:r>
+            <a:endParaRPr lang="en-US" dirty="0"/>
+          </a:p>
+        </p:txBody>
+      </p:sp>
+      <p:sp>
+        <p:nvSpPr>
+          <p:cNvPr id="104" name="Rectangle 103"/>
+          <p:cNvSpPr/>
+          <p:nvPr/>
+        </p:nvSpPr>
+        <p:spPr>
+          <a:xfrm>
+            <a:off x="2819400" y="4648200"/>
+            <a:ext cx="838200" cy="685801"/>
+          </a:xfrm>
+          <a:prstGeom prst="rect">
+            <a:avLst/>
+          </a:prstGeom>
+        </p:spPr>
+        <p:style>
+          <a:lnRef idx="2">
+            <a:schemeClr val="accent1">
+              <a:shade val="50000"/>
+            </a:schemeClr>
+          </a:lnRef>
+          <a:fillRef idx="1">
+            <a:schemeClr val="accent1"/>
+          </a:fillRef>
+          <a:effectRef idx="0">
+            <a:schemeClr val="accent1"/>
+          </a:effectRef>
+          <a:fontRef idx="minor">
+            <a:schemeClr val="lt1"/>
+          </a:fontRef>
+        </p:style>
+        <p:txBody>
+          <a:bodyPr rtlCol="0" anchor="ctr"/>
+          <a:lstStyle/>
+          <a:p>
+            <a:pPr algn="ctr"/>
+            <a:r>
+              <a:rPr lang="en-US" dirty="0" smtClean="0"/>
+              <a:t>GIS On/Off</a:t>
+            </a:r>
+            <a:endParaRPr lang="en-US" dirty="0"/>
+          </a:p>
+        </p:txBody>
+      </p:sp>
+      <p:sp>
+        <p:nvSpPr>
+          <p:cNvPr id="105" name="Rectangle 104"/>
+          <p:cNvSpPr/>
+          <p:nvPr/>
+        </p:nvSpPr>
+        <p:spPr>
+          <a:xfrm>
+            <a:off x="3962400" y="4648200"/>
+            <a:ext cx="838200" cy="685801"/>
+          </a:xfrm>
+          <a:prstGeom prst="rect">
+            <a:avLst/>
+          </a:prstGeom>
+        </p:spPr>
+        <p:style>
+          <a:lnRef idx="2">
+            <a:schemeClr val="accent1">
+              <a:shade val="50000"/>
+            </a:schemeClr>
+          </a:lnRef>
+          <a:fillRef idx="1">
+            <a:schemeClr val="accent1"/>
+          </a:fillRef>
+          <a:effectRef idx="0">
+            <a:schemeClr val="accent1"/>
+          </a:effectRef>
+          <a:fontRef idx="minor">
+            <a:schemeClr val="lt1"/>
+          </a:fontRef>
+        </p:style>
+        <p:txBody>
+          <a:bodyPr rtlCol="0" anchor="ctr"/>
+          <a:lstStyle/>
+          <a:p>
+            <a:pPr algn="ctr"/>
+            <a:r>
+              <a:rPr lang="en-US" dirty="0" smtClean="0"/>
+              <a:t>GIS On/Off</a:t>
+            </a:r>
+            <a:endParaRPr lang="en-US" dirty="0"/>
+          </a:p>
+        </p:txBody>
+      </p:sp>
+      <p:sp>
+        <p:nvSpPr>
+          <p:cNvPr id="106" name="Rectangle 105"/>
+          <p:cNvSpPr/>
+          <p:nvPr/>
+        </p:nvSpPr>
+        <p:spPr>
+          <a:xfrm>
+            <a:off x="4953000" y="4648200"/>
+            <a:ext cx="838200" cy="685801"/>
+          </a:xfrm>
+          <a:prstGeom prst="rect">
+            <a:avLst/>
+          </a:prstGeom>
+        </p:spPr>
+        <p:style>
+          <a:lnRef idx="2">
+            <a:schemeClr val="accent1">
+              <a:shade val="50000"/>
+            </a:schemeClr>
+          </a:lnRef>
+          <a:fillRef idx="1">
+            <a:schemeClr val="accent1"/>
+          </a:fillRef>
+          <a:effectRef idx="0">
+            <a:schemeClr val="accent1"/>
+          </a:effectRef>
+          <a:fontRef idx="minor">
+            <a:schemeClr val="lt1"/>
+          </a:fontRef>
+        </p:style>
+        <p:txBody>
+          <a:bodyPr rtlCol="0" anchor="ctr"/>
+          <a:lstStyle/>
+          <a:p>
+            <a:pPr algn="ctr"/>
+            <a:r>
+              <a:rPr lang="en-US" dirty="0" smtClean="0"/>
+              <a:t>GIS On/Off</a:t>
+            </a:r>
+            <a:endParaRPr lang="en-US" dirty="0"/>
+          </a:p>
+        </p:txBody>
+      </p:sp>
       <p:pic>
         <p:nvPicPr>
-          <p:cNvPr id="4106" name="Picture 10" descr="C:\Users\student\AppData\Local\Microsoft\Windows\Temporary Internet Files\Content.IE5\XDKIQZBD\MC900431511[1].png"/>
+          <p:cNvPr id="107" name="Picture 2" descr="C:\Users\student\AppData\Local\Microsoft\Windows\Temporary Internet Files\Content.IE5\JSC1GYNN\MC900432671[1].png">
+            <a:hlinkClick r:id="rId4" action="ppaction://hlinksldjump"/>
+          </p:cNvPr>
           <p:cNvPicPr>
             <a:picLocks noChangeAspect="1" noChangeArrowheads="1"/>
           </p:cNvPicPr>
           <p:nvPr/>
         </p:nvPicPr>
         <p:blipFill>
-          <a:blip r:embed="rId8" cstate="print"/>
+          <a:blip r:embed="rId5" cstate="print"/>
           <a:srcRect/>
           <a:stretch>
             <a:fillRect/>
@@ -6372,8 +9921,8 @@
         </p:blipFill>
         <p:spPr bwMode="auto">
           <a:xfrm>
-            <a:off x="3505200" y="2971800"/>
-            <a:ext cx="612648" cy="612648"/>
+            <a:off x="0" y="228600"/>
+            <a:ext cx="685800" cy="685800"/>
           </a:xfrm>
           <a:prstGeom prst="rect">
             <a:avLst/>
